--- a/0.组会记录/2024-10-22 谈话/report-2024-10-22.pptx
+++ b/0.组会记录/2024-10-22 谈话/report-2024-10-22.pptx
@@ -13,17 +13,20 @@
     <p:sldId id="1007" r:id="rId5"/>
     <p:sldId id="1286" r:id="rId6"/>
     <p:sldId id="1430" r:id="rId8"/>
-    <p:sldId id="1431" r:id="rId9"/>
-    <p:sldId id="1369" r:id="rId10"/>
-    <p:sldId id="1370" r:id="rId11"/>
-    <p:sldId id="1429" r:id="rId12"/>
-    <p:sldId id="1358" r:id="rId13"/>
-    <p:sldId id="1356" r:id="rId14"/>
+    <p:sldId id="1441" r:id="rId9"/>
+    <p:sldId id="1431" r:id="rId10"/>
+    <p:sldId id="1369" r:id="rId11"/>
+    <p:sldId id="1370" r:id="rId12"/>
+    <p:sldId id="1437" r:id="rId13"/>
+    <p:sldId id="1442" r:id="rId14"/>
+    <p:sldId id="1429" r:id="rId15"/>
+    <p:sldId id="1358" r:id="rId16"/>
+    <p:sldId id="1356" r:id="rId17"/>
   </p:sldIdLst>
   <p:sldSz cx="12192000" cy="6858000"/>
   <p:notesSz cx="6858000" cy="9144000"/>
   <p:custDataLst>
-    <p:tags r:id="rId19"/>
+    <p:tags r:id="rId22"/>
   </p:custDataLst>
   <p:defaultTextStyle>
     <a:defPPr>
@@ -789,6 +792,240 @@
 </file>
 
 <file path=ppt/notesSlides/notesSlide5.xml><?xml version="1.0" encoding="utf-8"?>
+<p:notes xmlns:a="http://schemas.openxmlformats.org/drawingml/2006/main" xmlns:r="http://schemas.openxmlformats.org/officeDocument/2006/relationships" xmlns:p="http://schemas.openxmlformats.org/presentationml/2006/main">
+  <p:cSld>
+    <p:spTree>
+      <p:nvGrpSpPr>
+        <p:cNvPr id="1" name=""/>
+        <p:cNvGrpSpPr/>
+        <p:nvPr/>
+      </p:nvGrpSpPr>
+      <p:grpSpPr>
+        <a:xfrm>
+          <a:off x="0" y="0"/>
+          <a:ext cx="0" cy="0"/>
+          <a:chOff x="0" y="0"/>
+          <a:chExt cx="0" cy="0"/>
+        </a:xfrm>
+      </p:grpSpPr>
+      <p:sp>
+        <p:nvSpPr>
+          <p:cNvPr id="2" name="幻灯片图像占位符 1"/>
+          <p:cNvSpPr>
+            <a:spLocks noGrp="1" noRot="1" noChangeAspect="1"/>
+          </p:cNvSpPr>
+          <p:nvPr>
+            <p:ph type="sldImg"/>
+          </p:nvPr>
+        </p:nvSpPr>
+        <p:spPr/>
+      </p:sp>
+      <p:sp>
+        <p:nvSpPr>
+          <p:cNvPr id="3" name="备注占位符 2"/>
+          <p:cNvSpPr>
+            <a:spLocks noGrp="1"/>
+          </p:cNvSpPr>
+          <p:nvPr>
+            <p:ph type="body" idx="1"/>
+          </p:nvPr>
+        </p:nvSpPr>
+        <p:spPr/>
+        <p:txBody>
+          <a:bodyPr/>
+          <a:lstStyle/>
+          <a:p>
+            <a:endParaRPr lang="zh-CN" altLang="en-US" dirty="0"/>
+          </a:p>
+        </p:txBody>
+      </p:sp>
+      <p:sp>
+        <p:nvSpPr>
+          <p:cNvPr id="4" name="灯片编号占位符 3"/>
+          <p:cNvSpPr>
+            <a:spLocks noGrp="1"/>
+          </p:cNvSpPr>
+          <p:nvPr>
+            <p:ph type="sldNum" sz="quarter" idx="5"/>
+          </p:nvPr>
+        </p:nvSpPr>
+        <p:spPr/>
+        <p:txBody>
+          <a:bodyPr/>
+          <a:lstStyle/>
+          <a:p>
+            <a:fld id="{311DA921-5814-416C-A214-0F50BD081254}" type="slidenum">
+              <a:rPr lang="zh-CN" altLang="en-US" smtClean="0"/>
+            </a:fld>
+            <a:endParaRPr lang="zh-CN" altLang="en-US"/>
+          </a:p>
+        </p:txBody>
+      </p:sp>
+    </p:spTree>
+  </p:cSld>
+  <p:clrMapOvr>
+    <a:masterClrMapping/>
+  </p:clrMapOvr>
+</p:notes>
+</file>
+
+<file path=ppt/notesSlides/notesSlide6.xml><?xml version="1.0" encoding="utf-8"?>
+<p:notes xmlns:a="http://schemas.openxmlformats.org/drawingml/2006/main" xmlns:r="http://schemas.openxmlformats.org/officeDocument/2006/relationships" xmlns:p="http://schemas.openxmlformats.org/presentationml/2006/main">
+  <p:cSld>
+    <p:spTree>
+      <p:nvGrpSpPr>
+        <p:cNvPr id="1" name=""/>
+        <p:cNvGrpSpPr/>
+        <p:nvPr/>
+      </p:nvGrpSpPr>
+      <p:grpSpPr>
+        <a:xfrm>
+          <a:off x="0" y="0"/>
+          <a:ext cx="0" cy="0"/>
+          <a:chOff x="0" y="0"/>
+          <a:chExt cx="0" cy="0"/>
+        </a:xfrm>
+      </p:grpSpPr>
+      <p:sp>
+        <p:nvSpPr>
+          <p:cNvPr id="2" name="幻灯片图像占位符 1"/>
+          <p:cNvSpPr>
+            <a:spLocks noGrp="1" noRot="1" noChangeAspect="1"/>
+          </p:cNvSpPr>
+          <p:nvPr>
+            <p:ph type="sldImg"/>
+          </p:nvPr>
+        </p:nvSpPr>
+        <p:spPr/>
+      </p:sp>
+      <p:sp>
+        <p:nvSpPr>
+          <p:cNvPr id="3" name="备注占位符 2"/>
+          <p:cNvSpPr>
+            <a:spLocks noGrp="1"/>
+          </p:cNvSpPr>
+          <p:nvPr>
+            <p:ph type="body" idx="1"/>
+          </p:nvPr>
+        </p:nvSpPr>
+        <p:spPr/>
+        <p:txBody>
+          <a:bodyPr/>
+          <a:lstStyle/>
+          <a:p>
+            <a:endParaRPr lang="zh-CN" altLang="en-US" dirty="0"/>
+          </a:p>
+        </p:txBody>
+      </p:sp>
+      <p:sp>
+        <p:nvSpPr>
+          <p:cNvPr id="4" name="灯片编号占位符 3"/>
+          <p:cNvSpPr>
+            <a:spLocks noGrp="1"/>
+          </p:cNvSpPr>
+          <p:nvPr>
+            <p:ph type="sldNum" sz="quarter" idx="5"/>
+          </p:nvPr>
+        </p:nvSpPr>
+        <p:spPr/>
+        <p:txBody>
+          <a:bodyPr/>
+          <a:lstStyle/>
+          <a:p>
+            <a:fld id="{311DA921-5814-416C-A214-0F50BD081254}" type="slidenum">
+              <a:rPr lang="zh-CN" altLang="en-US" smtClean="0"/>
+            </a:fld>
+            <a:endParaRPr lang="zh-CN" altLang="en-US"/>
+          </a:p>
+        </p:txBody>
+      </p:sp>
+    </p:spTree>
+  </p:cSld>
+  <p:clrMapOvr>
+    <a:masterClrMapping/>
+  </p:clrMapOvr>
+</p:notes>
+</file>
+
+<file path=ppt/notesSlides/notesSlide7.xml><?xml version="1.0" encoding="utf-8"?>
+<p:notes xmlns:a="http://schemas.openxmlformats.org/drawingml/2006/main" xmlns:r="http://schemas.openxmlformats.org/officeDocument/2006/relationships" xmlns:p="http://schemas.openxmlformats.org/presentationml/2006/main">
+  <p:cSld>
+    <p:spTree>
+      <p:nvGrpSpPr>
+        <p:cNvPr id="1" name=""/>
+        <p:cNvGrpSpPr/>
+        <p:nvPr/>
+      </p:nvGrpSpPr>
+      <p:grpSpPr>
+        <a:xfrm>
+          <a:off x="0" y="0"/>
+          <a:ext cx="0" cy="0"/>
+          <a:chOff x="0" y="0"/>
+          <a:chExt cx="0" cy="0"/>
+        </a:xfrm>
+      </p:grpSpPr>
+      <p:sp>
+        <p:nvSpPr>
+          <p:cNvPr id="2" name="幻灯片图像占位符 1"/>
+          <p:cNvSpPr>
+            <a:spLocks noGrp="1" noRot="1" noChangeAspect="1"/>
+          </p:cNvSpPr>
+          <p:nvPr>
+            <p:ph type="sldImg"/>
+          </p:nvPr>
+        </p:nvSpPr>
+        <p:spPr/>
+      </p:sp>
+      <p:sp>
+        <p:nvSpPr>
+          <p:cNvPr id="3" name="备注占位符 2"/>
+          <p:cNvSpPr>
+            <a:spLocks noGrp="1"/>
+          </p:cNvSpPr>
+          <p:nvPr>
+            <p:ph type="body" idx="1"/>
+          </p:nvPr>
+        </p:nvSpPr>
+        <p:spPr/>
+        <p:txBody>
+          <a:bodyPr/>
+          <a:lstStyle/>
+          <a:p>
+            <a:endParaRPr lang="zh-CN" altLang="en-US" dirty="0"/>
+          </a:p>
+        </p:txBody>
+      </p:sp>
+      <p:sp>
+        <p:nvSpPr>
+          <p:cNvPr id="4" name="灯片编号占位符 3"/>
+          <p:cNvSpPr>
+            <a:spLocks noGrp="1"/>
+          </p:cNvSpPr>
+          <p:nvPr>
+            <p:ph type="sldNum" sz="quarter" idx="5"/>
+          </p:nvPr>
+        </p:nvSpPr>
+        <p:spPr/>
+        <p:txBody>
+          <a:bodyPr/>
+          <a:lstStyle/>
+          <a:p>
+            <a:fld id="{311DA921-5814-416C-A214-0F50BD081254}" type="slidenum">
+              <a:rPr lang="zh-CN" altLang="en-US" smtClean="0"/>
+            </a:fld>
+            <a:endParaRPr lang="zh-CN" altLang="en-US"/>
+          </a:p>
+        </p:txBody>
+      </p:sp>
+    </p:spTree>
+  </p:cSld>
+  <p:clrMapOvr>
+    <a:masterClrMapping/>
+  </p:clrMapOvr>
+</p:notes>
+</file>
+
+<file path=ppt/notesSlides/notesSlide8.xml><?xml version="1.0" encoding="utf-8"?>
 <p:notes xmlns:a="http://schemas.openxmlformats.org/drawingml/2006/main" xmlns:r="http://schemas.openxmlformats.org/officeDocument/2006/relationships" xmlns:p="http://schemas.openxmlformats.org/presentationml/2006/main">
   <p:cSld>
     <p:spTree>
@@ -3997,6 +4234,76 @@
           <a:chExt cx="0" cy="0"/>
         </a:xfrm>
       </p:grpSpPr>
+      <p:pic>
+        <p:nvPicPr>
+          <p:cNvPr id="14" name="图片 13" descr="upload_post_object_v2_1955608540"/>
+          <p:cNvPicPr>
+            <a:picLocks noChangeAspect="1"/>
+          </p:cNvPicPr>
+          <p:nvPr/>
+        </p:nvPicPr>
+        <p:blipFill>
+          <a:blip r:embed="rId1"/>
+          <a:stretch>
+            <a:fillRect/>
+          </a:stretch>
+        </p:blipFill>
+        <p:spPr>
+          <a:xfrm>
+            <a:off x="5477510" y="929005"/>
+            <a:ext cx="6772275" cy="2159000"/>
+          </a:xfrm>
+          <a:prstGeom prst="rect">
+            <a:avLst/>
+          </a:prstGeom>
+        </p:spPr>
+      </p:pic>
+      <p:sp>
+        <p:nvSpPr>
+          <p:cNvPr id="13" name="文本框 12"/>
+          <p:cNvSpPr txBox="1"/>
+          <p:nvPr/>
+        </p:nvSpPr>
+        <p:spPr>
+          <a:xfrm>
+            <a:off x="106466" y="601786"/>
+            <a:ext cx="1099820" cy="398780"/>
+          </a:xfrm>
+          <a:prstGeom prst="rect">
+            <a:avLst/>
+          </a:prstGeom>
+          <a:noFill/>
+        </p:spPr>
+        <p:txBody>
+          <a:bodyPr wrap="none" rtlCol="0">
+            <a:spAutoFit/>
+          </a:bodyPr>
+          <a:lstStyle/>
+          <a:p>
+            <a:pPr marL="342900" indent="-342900">
+              <a:buFont typeface="Wingdings" panose="05000000000000000000" charset="0"/>
+              <a:buChar char="n"/>
+            </a:pPr>
+            <a:r>
+              <a:rPr lang="zh-CN" altLang="en-US" sz="2000" b="1" dirty="0">
+                <a:solidFill>
+                  <a:schemeClr val="tx1"/>
+                </a:solidFill>
+                <a:latin typeface="微软雅黑" panose="020B0503020204020204" charset="-122"/>
+                <a:ea typeface="微软雅黑" panose="020B0503020204020204" charset="-122"/>
+              </a:rPr>
+              <a:t>idea</a:t>
+            </a:r>
+            <a:endParaRPr lang="zh-CN" altLang="en-US" sz="2000" b="1" dirty="0">
+              <a:solidFill>
+                <a:schemeClr val="tx1"/>
+              </a:solidFill>
+              <a:latin typeface="微软雅黑" panose="020B0503020204020204" charset="-122"/>
+              <a:ea typeface="微软雅黑" panose="020B0503020204020204" charset="-122"/>
+            </a:endParaRPr>
+          </a:p>
+        </p:txBody>
+      </p:sp>
       <p:sp>
         <p:nvSpPr>
           <p:cNvPr id="7" name="文本框 6"/>
@@ -4040,7 +4347,7 @@
           <p:cNvSpPr/>
           <p:nvPr>
             <p:custDataLst>
-              <p:tags r:id="rId1"/>
+              <p:tags r:id="rId2"/>
             </p:custDataLst>
           </p:nvPr>
         </p:nvSpPr>
@@ -4095,6 +4402,2272 @@
               <a:defRPr/>
             </a:pPr>
             <a:r>
+              <a:rPr lang="en-US" altLang="zh-CN" sz="1800" dirty="0">
+                <a:effectLst/>
+                <a:latin typeface="微软雅黑" panose="020B0503020204020204" charset="-122"/>
+                <a:ea typeface="微软雅黑" panose="020B0503020204020204" charset="-122"/>
+              </a:rPr>
+              <a:t>2.</a:t>
+            </a:r>
+            <a:r>
+              <a:rPr lang="en-US" altLang="zh-CN" dirty="0">
+                <a:effectLst/>
+                <a:latin typeface="微软雅黑" panose="020B0503020204020204" charset="-122"/>
+                <a:ea typeface="微软雅黑" panose="020B0503020204020204" charset="-122"/>
+                <a:sym typeface="+mn-ea"/>
+              </a:rPr>
+              <a:t>参考的论文，一些idea</a:t>
+            </a:r>
+            <a:endParaRPr lang="en-US" altLang="zh-CN" dirty="0">
+              <a:effectLst/>
+              <a:latin typeface="微软雅黑" panose="020B0503020204020204" charset="-122"/>
+              <a:ea typeface="微软雅黑" panose="020B0503020204020204" charset="-122"/>
+              <a:sym typeface="+mn-ea"/>
+            </a:endParaRPr>
+          </a:p>
+        </p:txBody>
+      </p:sp>
+      <p:pic>
+        <p:nvPicPr>
+          <p:cNvPr id="2" name="图片 1"/>
+          <p:cNvPicPr/>
+          <p:nvPr/>
+        </p:nvPicPr>
+        <p:blipFill>
+          <a:blip r:embed="rId3"/>
+          <a:stretch>
+            <a:fillRect/>
+          </a:stretch>
+        </p:blipFill>
+        <p:spPr>
+          <a:xfrm>
+            <a:off x="8203565" y="3273425"/>
+            <a:ext cx="1156335" cy="397510"/>
+          </a:xfrm>
+          <a:prstGeom prst="rect">
+            <a:avLst/>
+          </a:prstGeom>
+        </p:spPr>
+      </p:pic>
+      <p:sp>
+        <p:nvSpPr>
+          <p:cNvPr id="6" name="文本框 5"/>
+          <p:cNvSpPr txBox="1"/>
+          <p:nvPr/>
+        </p:nvSpPr>
+        <p:spPr>
+          <a:xfrm>
+            <a:off x="6981190" y="3883184"/>
+            <a:ext cx="5080000" cy="1322070"/>
+          </a:xfrm>
+          <a:prstGeom prst="rect">
+            <a:avLst/>
+          </a:prstGeom>
+        </p:spPr>
+        <p:txBody>
+          <a:bodyPr>
+            <a:spAutoFit/>
+          </a:bodyPr>
+          <a:p>
+            <a:pPr marL="0" indent="0" algn="just" defTabSz="266700">
+              <a:spcBef>
+                <a:spcPct val="0"/>
+              </a:spcBef>
+              <a:spcAft>
+                <a:spcPct val="0"/>
+              </a:spcAft>
+            </a:pPr>
+            <a:r>
+              <a:rPr lang="zh-CN" altLang="en-US" sz="1600" dirty="0">
+                <a:latin typeface="微软雅黑" panose="020B0503020204020204" charset="-122"/>
+                <a:ea typeface="微软雅黑" panose="020B0503020204020204" charset="-122"/>
+              </a:rPr>
+              <a:t>其中</a:t>
+            </a:r>
+            <a:r>
+              <a:rPr lang="en-US" altLang="zh-CN" sz="1600" dirty="0">
+                <a:latin typeface="微软雅黑" panose="020B0503020204020204" charset="-122"/>
+                <a:ea typeface="微软雅黑" panose="020B0503020204020204" charset="-122"/>
+              </a:rPr>
+              <a:t>Q</a:t>
+            </a:r>
+            <a:r>
+              <a:rPr lang="en-US" sz="1600" dirty="0">
+                <a:latin typeface="微软雅黑" panose="020B0503020204020204" charset="-122"/>
+                <a:ea typeface="微软雅黑" panose="020B0503020204020204" charset="-122"/>
+              </a:rPr>
+              <a:t>表示原有的查询点特征（即从点或体素特征中抽取的内容向量），Q</a:t>
+            </a:r>
+            <a:r>
+              <a:rPr lang="en-US" sz="1600" baseline="-25000" dirty="0">
+                <a:latin typeface="微软雅黑" panose="020B0503020204020204" charset="-122"/>
+                <a:ea typeface="微软雅黑" panose="020B0503020204020204" charset="-122"/>
+              </a:rPr>
+              <a:t>todo</a:t>
+            </a:r>
+            <a:r>
+              <a:rPr lang="en-US" sz="1600" dirty="0">
+                <a:latin typeface="微软雅黑" panose="020B0503020204020204" charset="-122"/>
+                <a:ea typeface="微软雅黑" panose="020B0503020204020204" charset="-122"/>
+                <a:sym typeface="+mn-ea"/>
+              </a:rPr>
+              <a:t>是包含拓扑信息的新特征。这一步通过矩阵乘法将拓扑结构信息加权融入到查询点特征中，实现了局部几何信息的增强。然后，</a:t>
+            </a:r>
+            <a:r>
+              <a:rPr lang="en-US" sz="1600" dirty="0">
+                <a:latin typeface="微软雅黑" panose="020B0503020204020204" charset="-122"/>
+                <a:ea typeface="微软雅黑" panose="020B0503020204020204" charset="-122"/>
+                <a:sym typeface="+mn-ea"/>
+              </a:rPr>
+              <a:t>替换掉原有Transformer解码器中的查询点特征。</a:t>
+            </a:r>
+            <a:endParaRPr lang="en-US" sz="1600" dirty="0">
+              <a:latin typeface="微软雅黑" panose="020B0503020204020204" charset="-122"/>
+              <a:ea typeface="微软雅黑" panose="020B0503020204020204" charset="-122"/>
+            </a:endParaRPr>
+          </a:p>
+        </p:txBody>
+      </p:sp>
+      <mc:AlternateContent xmlns:mc="http://schemas.openxmlformats.org/markup-compatibility/2006">
+        <mc:Choice xmlns:a14="http://schemas.microsoft.com/office/drawing/2010/main" Requires="a14">
+          <p:sp>
+            <p:nvSpPr>
+              <p:cNvPr id="12" name="文本框 11"/>
+              <p:cNvSpPr txBox="1"/>
+              <p:nvPr userDrawn="1"/>
+            </p:nvSpPr>
+            <p:spPr>
+              <a:xfrm>
+                <a:off x="240879" y="1323109"/>
+                <a:ext cx="5997673" cy="1950295"/>
+              </a:xfrm>
+              <a:prstGeom prst="rect">
+                <a:avLst/>
+              </a:prstGeom>
+            </p:spPr>
+            <p:txBody>
+              <a:bodyPr wrap="none" rtlCol="0">
+                <a:noAutofit/>
+              </a:bodyPr>
+              <a:p>
+                <a:pPr marL="0" indent="0" algn="l" defTabSz="0" rtl="0" eaLnBrk="1" latinLnBrk="0" hangingPunct="1">
+                  <a:spcBef>
+                    <a:spcPct val="0"/>
+                  </a:spcBef>
+                  <a:spcAft>
+                    <a:spcPct val="0"/>
+                  </a:spcAft>
+                  <a:buNone/>
+                </a:pPr>
+                <a:r>
+                  <a:rPr lang="en-US" sz="1600" dirty="0">
+                    <a:solidFill>
+                      <a:schemeClr val="tx1"/>
+                    </a:solidFill>
+                    <a:latin typeface="微软雅黑" panose="020B0503020204020204" charset="-122"/>
+                    <a:ea typeface="微软雅黑" panose="020B0503020204020204" charset="-122"/>
+                  </a:rPr>
+                  <a:t>原文中采用查询点机制结合了局部和全局信息，但是其</a:t>
+                </a:r>
+                <a:endParaRPr lang="en-US" sz="1600" dirty="0">
+                  <a:solidFill>
+                    <a:schemeClr val="tx1"/>
+                  </a:solidFill>
+                  <a:latin typeface="微软雅黑" panose="020B0503020204020204" charset="-122"/>
+                  <a:ea typeface="微软雅黑" panose="020B0503020204020204" charset="-122"/>
+                </a:endParaRPr>
+              </a:p>
+              <a:p>
+                <a:pPr marL="0" indent="0" algn="l" defTabSz="0" rtl="0" eaLnBrk="1" latinLnBrk="0" hangingPunct="1">
+                  <a:spcBef>
+                    <a:spcPct val="0"/>
+                  </a:spcBef>
+                  <a:spcAft>
+                    <a:spcPct val="0"/>
+                  </a:spcAft>
+                  <a:buNone/>
+                </a:pPr>
+                <a:r>
+                  <a:rPr lang="en-US" sz="1600" dirty="0">
+                    <a:solidFill>
+                      <a:schemeClr val="tx1"/>
+                    </a:solidFill>
+                    <a:latin typeface="微软雅黑" panose="020B0503020204020204" charset="-122"/>
+                    <a:ea typeface="微软雅黑" panose="020B0503020204020204" charset="-122"/>
+                  </a:rPr>
+                  <a:t>仍然依赖于固定采样和可学习的查询点，这可能会导致在</a:t>
+                </a:r>
+                <a:endParaRPr lang="en-US" sz="1600" dirty="0">
+                  <a:solidFill>
+                    <a:schemeClr val="tx1"/>
+                  </a:solidFill>
+                  <a:latin typeface="微软雅黑" panose="020B0503020204020204" charset="-122"/>
+                  <a:ea typeface="微软雅黑" panose="020B0503020204020204" charset="-122"/>
+                </a:endParaRPr>
+              </a:p>
+              <a:p>
+                <a:pPr marL="0" indent="0" algn="l" defTabSz="0" rtl="0" eaLnBrk="1" latinLnBrk="0" hangingPunct="1">
+                  <a:spcBef>
+                    <a:spcPct val="0"/>
+                  </a:spcBef>
+                  <a:spcAft>
+                    <a:spcPct val="0"/>
+                  </a:spcAft>
+                  <a:buNone/>
+                </a:pPr>
+                <a:r>
+                  <a:rPr lang="en-US" sz="1600" dirty="0">
+                    <a:solidFill>
+                      <a:schemeClr val="tx1"/>
+                    </a:solidFill>
+                    <a:latin typeface="微软雅黑" panose="020B0503020204020204" charset="-122"/>
+                    <a:ea typeface="微软雅黑" panose="020B0503020204020204" charset="-122"/>
+                  </a:rPr>
+                  <a:t>一些复杂的场景下局部细节的丢失。</a:t>
+                </a:r>
+                <a:endParaRPr lang="en-US" sz="1600" dirty="0">
+                  <a:solidFill>
+                    <a:schemeClr val="tx1"/>
+                  </a:solidFill>
+                  <a:latin typeface="微软雅黑" panose="020B0503020204020204" charset="-122"/>
+                  <a:ea typeface="微软雅黑" panose="020B0503020204020204" charset="-122"/>
+                </a:endParaRPr>
+              </a:p>
+              <a:p>
+                <a:pPr marL="0" indent="0" algn="l" defTabSz="0" rtl="0" eaLnBrk="1" latinLnBrk="0" hangingPunct="1">
+                  <a:spcBef>
+                    <a:spcPct val="0"/>
+                  </a:spcBef>
+                  <a:spcAft>
+                    <a:spcPct val="0"/>
+                  </a:spcAft>
+                  <a:buNone/>
+                </a:pPr>
+                <a:endParaRPr lang="en-US" sz="1600" dirty="0">
+                  <a:solidFill>
+                    <a:schemeClr val="tx1"/>
+                  </a:solidFill>
+                  <a:latin typeface="微软雅黑" panose="020B0503020204020204" charset="-122"/>
+                  <a:ea typeface="微软雅黑" panose="020B0503020204020204" charset="-122"/>
+                </a:endParaRPr>
+              </a:p>
+              <a:p>
+                <a:pPr marL="0" indent="0" algn="l" defTabSz="0" rtl="0" eaLnBrk="1" latinLnBrk="0" hangingPunct="1">
+                  <a:spcBef>
+                    <a:spcPct val="0"/>
+                  </a:spcBef>
+                  <a:spcAft>
+                    <a:spcPct val="0"/>
+                  </a:spcAft>
+                  <a:buNone/>
+                </a:pPr>
+                <a:r>
+                  <a:rPr lang="en-US" sz="1600" dirty="0">
+                    <a:solidFill>
+                      <a:schemeClr val="tx1"/>
+                    </a:solidFill>
+                    <a:latin typeface="微软雅黑" panose="020B0503020204020204" charset="-122"/>
+                    <a:ea typeface="微软雅黑" panose="020B0503020204020204" charset="-122"/>
+                  </a:rPr>
+                  <a:t>引入拓扑结构信息增强查询点机制，使其在捕捉局部几何细</a:t>
+                </a:r>
+                <a:endParaRPr lang="en-US" sz="1600" dirty="0">
+                  <a:solidFill>
+                    <a:schemeClr val="tx1"/>
+                  </a:solidFill>
+                  <a:latin typeface="微软雅黑" panose="020B0503020204020204" charset="-122"/>
+                  <a:ea typeface="微软雅黑" panose="020B0503020204020204" charset="-122"/>
+                </a:endParaRPr>
+              </a:p>
+              <a:p>
+                <a:pPr marL="0" indent="0" algn="l" defTabSz="0" rtl="0" eaLnBrk="1" latinLnBrk="0" hangingPunct="1">
+                  <a:spcBef>
+                    <a:spcPct val="0"/>
+                  </a:spcBef>
+                  <a:spcAft>
+                    <a:spcPct val="0"/>
+                  </a:spcAft>
+                  <a:buNone/>
+                </a:pPr>
+                <a:r>
+                  <a:rPr lang="en-US" sz="1600" dirty="0">
+                    <a:solidFill>
+                      <a:schemeClr val="tx1"/>
+                    </a:solidFill>
+                    <a:latin typeface="微软雅黑" panose="020B0503020204020204" charset="-122"/>
+                    <a:ea typeface="微软雅黑" panose="020B0503020204020204" charset="-122"/>
+                  </a:rPr>
+                  <a:t>节的同时，还能在全局范围内保持一致性。</a:t>
+                </a:r>
+                <a:endParaRPr lang="en-US" sz="1600" dirty="0">
+                  <a:solidFill>
+                    <a:schemeClr val="tx1"/>
+                  </a:solidFill>
+                  <a:latin typeface="微软雅黑" panose="020B0503020204020204" charset="-122"/>
+                  <a:ea typeface="微软雅黑" panose="020B0503020204020204" charset="-122"/>
+                </a:endParaRPr>
+              </a:p>
+              <a:p>
+                <a:pPr marL="0" indent="0" algn="l" defTabSz="0" rtl="0" eaLnBrk="1" latinLnBrk="0" hangingPunct="1">
+                  <a:spcBef>
+                    <a:spcPct val="0"/>
+                  </a:spcBef>
+                  <a:spcAft>
+                    <a:spcPct val="0"/>
+                  </a:spcAft>
+                  <a:buNone/>
+                </a:pPr>
+                <a:endParaRPr lang="en-US" sz="1600" dirty="0">
+                  <a:solidFill>
+                    <a:schemeClr val="tx1"/>
+                  </a:solidFill>
+                  <a:latin typeface="微软雅黑" panose="020B0503020204020204" charset="-122"/>
+                  <a:ea typeface="微软雅黑" panose="020B0503020204020204" charset="-122"/>
+                </a:endParaRPr>
+              </a:p>
+              <a:p>
+                <a:pPr marL="0" indent="0" algn="l" defTabSz="0" rtl="0" eaLnBrk="1" latinLnBrk="0" hangingPunct="1">
+                  <a:spcBef>
+                    <a:spcPct val="0"/>
+                  </a:spcBef>
+                  <a:spcAft>
+                    <a:spcPct val="0"/>
+                  </a:spcAft>
+                  <a:buNone/>
+                </a:pPr>
+                <a:r>
+                  <a:rPr lang="en-US" sz="1600" dirty="0">
+                    <a:solidFill>
+                      <a:schemeClr val="tx1"/>
+                    </a:solidFill>
+                    <a:latin typeface="微软雅黑" panose="020B0503020204020204" charset="-122"/>
+                    <a:ea typeface="微软雅黑" panose="020B0503020204020204" charset="-122"/>
+                  </a:rPr>
+                  <a:t>点云数据中的拓扑信息可以理解为点之间的相对连通性或邻</a:t>
+                </a:r>
+                <a:endParaRPr lang="en-US" sz="1600" dirty="0">
+                  <a:solidFill>
+                    <a:schemeClr val="tx1"/>
+                  </a:solidFill>
+                  <a:latin typeface="微软雅黑" panose="020B0503020204020204" charset="-122"/>
+                  <a:ea typeface="微软雅黑" panose="020B0503020204020204" charset="-122"/>
+                </a:endParaRPr>
+              </a:p>
+              <a:p>
+                <a:pPr marL="0" indent="0" algn="l" defTabSz="0" rtl="0" eaLnBrk="1" latinLnBrk="0" hangingPunct="1">
+                  <a:spcBef>
+                    <a:spcPct val="0"/>
+                  </a:spcBef>
+                  <a:spcAft>
+                    <a:spcPct val="0"/>
+                  </a:spcAft>
+                  <a:buNone/>
+                </a:pPr>
+                <a:r>
+                  <a:rPr lang="en-US" sz="1600" dirty="0">
+                    <a:solidFill>
+                      <a:schemeClr val="tx1"/>
+                    </a:solidFill>
+                    <a:latin typeface="微软雅黑" panose="020B0503020204020204" charset="-122"/>
+                    <a:ea typeface="微软雅黑" panose="020B0503020204020204" charset="-122"/>
+                  </a:rPr>
+                  <a:t>接关系。这种关系信息能够帮助模型更好地捕捉到物体的几何</a:t>
+                </a:r>
+                <a:endParaRPr lang="en-US" sz="1600" dirty="0">
+                  <a:solidFill>
+                    <a:schemeClr val="tx1"/>
+                  </a:solidFill>
+                  <a:latin typeface="微软雅黑" panose="020B0503020204020204" charset="-122"/>
+                  <a:ea typeface="微软雅黑" panose="020B0503020204020204" charset="-122"/>
+                </a:endParaRPr>
+              </a:p>
+              <a:p>
+                <a:pPr marL="0" indent="0" algn="l" defTabSz="0" rtl="0" eaLnBrk="1" latinLnBrk="0" hangingPunct="1">
+                  <a:spcBef>
+                    <a:spcPct val="0"/>
+                  </a:spcBef>
+                  <a:spcAft>
+                    <a:spcPct val="0"/>
+                  </a:spcAft>
+                  <a:buNone/>
+                </a:pPr>
+                <a:r>
+                  <a:rPr lang="en-US" sz="1600" dirty="0">
+                    <a:solidFill>
+                      <a:schemeClr val="tx1"/>
+                    </a:solidFill>
+                    <a:latin typeface="微软雅黑" panose="020B0503020204020204" charset="-122"/>
+                    <a:ea typeface="微软雅黑" panose="020B0503020204020204" charset="-122"/>
+                  </a:rPr>
+                  <a:t>形状和细节特征。具体的操作方法：</a:t>
+                </a:r>
+                <a:endParaRPr lang="en-US" sz="1600" dirty="0">
+                  <a:solidFill>
+                    <a:schemeClr val="tx1"/>
+                  </a:solidFill>
+                  <a:latin typeface="微软雅黑" panose="020B0503020204020204" charset="-122"/>
+                  <a:ea typeface="微软雅黑" panose="020B0503020204020204" charset="-122"/>
+                </a:endParaRPr>
+              </a:p>
+              <a:p>
+                <a:pPr marL="0" indent="0" algn="l" defTabSz="0" rtl="0" eaLnBrk="1" latinLnBrk="0" hangingPunct="1">
+                  <a:spcBef>
+                    <a:spcPct val="0"/>
+                  </a:spcBef>
+                  <a:spcAft>
+                    <a:spcPct val="0"/>
+                  </a:spcAft>
+                  <a:buNone/>
+                </a:pPr>
+                <a:endParaRPr lang="en-US" sz="1600" dirty="0">
+                  <a:solidFill>
+                    <a:schemeClr val="tx1"/>
+                  </a:solidFill>
+                  <a:latin typeface="微软雅黑" panose="020B0503020204020204" charset="-122"/>
+                  <a:ea typeface="微软雅黑" panose="020B0503020204020204" charset="-122"/>
+                </a:endParaRPr>
+              </a:p>
+              <a:p>
+                <a:pPr marL="0" indent="0" algn="l" defTabSz="0" rtl="0" eaLnBrk="1" latinLnBrk="0" hangingPunct="1">
+                  <a:spcBef>
+                    <a:spcPct val="0"/>
+                  </a:spcBef>
+                  <a:spcAft>
+                    <a:spcPct val="0"/>
+                  </a:spcAft>
+                  <a:buNone/>
+                </a:pPr>
+                <a:r>
+                  <a:rPr lang="en-US" sz="1600" dirty="0">
+                    <a:solidFill>
+                      <a:schemeClr val="tx1"/>
+                    </a:solidFill>
+                    <a:latin typeface="微软雅黑" panose="020B0503020204020204" charset="-122"/>
+                    <a:ea typeface="微软雅黑" panose="020B0503020204020204" charset="-122"/>
+                  </a:rPr>
+                  <a:t>1. 首先，在原有的可学习查询点</a:t>
+                </a:r>
+                <a14:m>
+                  <m:oMath xmlns:m="http://schemas.openxmlformats.org/officeDocument/2006/math">
+                    <m:sSub>
+                      <m:sSubPr>
+                        <m:ctrlPr>
+                          <a:rPr lang="en-US" sz="1600" dirty="0">
+                            <a:solidFill>
+                              <a:schemeClr val="tx1"/>
+                            </a:solidFill>
+                            <a:latin typeface="Cambria Math" panose="02040503050406030204" charset="0"/>
+                            <a:ea typeface="微软雅黑" panose="020B0503020204020204" charset="-122"/>
+                            <a:cs typeface="Cambria Math" panose="02040503050406030204" charset="0"/>
+                          </a:rPr>
+                        </m:ctrlPr>
+                      </m:sSubPr>
+                      <m:e>
+                        <m:r>
+                          <a:rPr lang="en-US" sz="1600" dirty="0">
+                            <a:solidFill>
+                              <a:schemeClr val="tx1"/>
+                            </a:solidFill>
+                            <a:latin typeface="Cambria Math" panose="02040503050406030204" charset="0"/>
+                            <a:ea typeface="微软雅黑" panose="020B0503020204020204" charset="-122"/>
+                            <a:cs typeface="Cambria Math" panose="02040503050406030204" charset="0"/>
+                          </a:rPr>
+                          <m:t>𝑃</m:t>
+                        </m:r>
+                      </m:e>
+                      <m:sub>
+                        <m:r>
+                          <a:rPr lang="en-US" sz="1600" dirty="0">
+                            <a:solidFill>
+                              <a:schemeClr val="tx1"/>
+                            </a:solidFill>
+                            <a:latin typeface="Cambria Math" panose="02040503050406030204" charset="0"/>
+                            <a:ea typeface="微软雅黑" panose="020B0503020204020204" charset="-122"/>
+                            <a:cs typeface="Cambria Math" panose="02040503050406030204" charset="0"/>
+                          </a:rPr>
+                          <m:t>𝑙</m:t>
+                        </m:r>
+                      </m:sub>
+                    </m:sSub>
+                  </m:oMath>
+                </a14:m>
+                <a:r>
+                  <a:rPr lang="en-US" sz="1600" dirty="0">
+                    <a:solidFill>
+                      <a:schemeClr val="tx1"/>
+                    </a:solidFill>
+                    <a:latin typeface="微软雅黑" panose="020B0503020204020204" charset="-122"/>
+                    <a:ea typeface="微软雅黑" panose="020B0503020204020204" charset="-122"/>
+                  </a:rPr>
+                  <a:t>和非可学习查询点</a:t>
+                </a:r>
+                <a14:m>
+                  <m:oMath xmlns:m="http://schemas.openxmlformats.org/officeDocument/2006/math">
+                    <m:r>
+                      <a:rPr lang="en-US" sz="1600" dirty="0">
+                        <a:solidFill>
+                          <a:schemeClr val="tx1"/>
+                        </a:solidFill>
+                        <a:latin typeface="Cambria Math" panose="02040503050406030204" charset="0"/>
+                        <a:ea typeface="MS Mincho" panose="02020609040205080304" charset="0"/>
+                        <a:cs typeface="Cambria Math" panose="02040503050406030204" charset="0"/>
+                      </a:rPr>
+                      <m:t>(</m:t>
+                    </m:r>
+                    <m:sSub>
+                      <m:sSubPr>
+                        <m:ctrlPr>
+                          <a:rPr lang="en-US" sz="1600" dirty="0">
+                            <a:solidFill>
+                              <a:schemeClr val="tx1"/>
+                            </a:solidFill>
+                            <a:latin typeface="Cambria Math" panose="02040503050406030204" charset="0"/>
+                            <a:ea typeface="微软雅黑" panose="020B0503020204020204" charset="-122"/>
+                            <a:cs typeface="Cambria Math" panose="02040503050406030204" charset="0"/>
+                          </a:rPr>
+                        </m:ctrlPr>
+                      </m:sSubPr>
+                      <m:e>
+                        <m:r>
+                          <a:rPr lang="en-US" sz="1600" dirty="0">
+                            <a:solidFill>
+                              <a:schemeClr val="tx1"/>
+                            </a:solidFill>
+                            <a:latin typeface="Cambria Math" panose="02040503050406030204" charset="0"/>
+                            <a:ea typeface="微软雅黑" panose="020B0503020204020204" charset="-122"/>
+                            <a:cs typeface="Cambria Math" panose="02040503050406030204" charset="0"/>
+                          </a:rPr>
+                          <m:t>𝑃</m:t>
+                        </m:r>
+                      </m:e>
+                      <m:sub>
+                        <m:r>
+                          <a:rPr lang="en-US" sz="1600" dirty="0">
+                            <a:solidFill>
+                              <a:schemeClr val="tx1"/>
+                            </a:solidFill>
+                            <a:latin typeface="Cambria Math" panose="02040503050406030204" charset="0"/>
+                            <a:ea typeface="微软雅黑" panose="020B0503020204020204" charset="-122"/>
+                            <a:cs typeface="Cambria Math" panose="02040503050406030204" charset="0"/>
+                          </a:rPr>
+                          <m:t>𝑛𝑙</m:t>
+                        </m:r>
+                      </m:sub>
+                    </m:sSub>
+                    <m:r>
+                      <a:rPr lang="en-US" sz="1600" dirty="0">
+                        <a:solidFill>
+                          <a:schemeClr val="tx1"/>
+                        </a:solidFill>
+                        <a:latin typeface="Cambria Math" panose="02040503050406030204" charset="0"/>
+                        <a:ea typeface="MS Mincho" panose="02020609040205080304" charset="0"/>
+                        <a:cs typeface="Cambria Math" panose="02040503050406030204" charset="0"/>
+                      </a:rPr>
+                      <m:t>,</m:t>
+                    </m:r>
+                    <m:sSub>
+                      <m:sSubPr>
+                        <m:ctrlPr>
+                          <a:rPr lang="en-US" sz="1600" dirty="0">
+                            <a:solidFill>
+                              <a:schemeClr val="tx1"/>
+                            </a:solidFill>
+                            <a:latin typeface="Cambria Math" panose="02040503050406030204" charset="0"/>
+                            <a:ea typeface="微软雅黑" panose="020B0503020204020204" charset="-122"/>
+                            <a:cs typeface="Cambria Math" panose="02040503050406030204" charset="0"/>
+                          </a:rPr>
+                        </m:ctrlPr>
+                      </m:sSubPr>
+                      <m:e>
+                        <m:r>
+                          <a:rPr lang="en-US" sz="1600" dirty="0">
+                            <a:solidFill>
+                              <a:schemeClr val="tx1"/>
+                            </a:solidFill>
+                            <a:latin typeface="Cambria Math" panose="02040503050406030204" charset="0"/>
+                            <a:ea typeface="微软雅黑" panose="020B0503020204020204" charset="-122"/>
+                            <a:cs typeface="Cambria Math" panose="02040503050406030204" charset="0"/>
+                          </a:rPr>
+                          <m:t>𝑃</m:t>
+                        </m:r>
+                      </m:e>
+                      <m:sub>
+                        <m:r>
+                          <a:rPr lang="en-US" sz="1600" dirty="0">
+                            <a:solidFill>
+                              <a:schemeClr val="tx1"/>
+                            </a:solidFill>
+                            <a:latin typeface="Cambria Math" panose="02040503050406030204" charset="0"/>
+                            <a:ea typeface="微软雅黑" panose="020B0503020204020204" charset="-122"/>
+                            <a:cs typeface="Cambria Math" panose="02040503050406030204" charset="0"/>
+                          </a:rPr>
+                          <m:t>𝑛𝑙𝑣</m:t>
+                        </m:r>
+                      </m:sub>
+                    </m:sSub>
+                    <m:r>
+                      <a:rPr lang="en-US" sz="1600" dirty="0">
+                        <a:solidFill>
+                          <a:schemeClr val="tx1"/>
+                        </a:solidFill>
+                        <a:latin typeface="Cambria Math" panose="02040503050406030204" charset="0"/>
+                        <a:ea typeface="MS Mincho" panose="02020609040205080304" charset="0"/>
+                        <a:cs typeface="Cambria Math" panose="02040503050406030204" charset="0"/>
+                      </a:rPr>
+                      <m:t>)</m:t>
+                    </m:r>
+                  </m:oMath>
+                </a14:m>
+                <a:endParaRPr lang="en-US" sz="1600" dirty="0">
+                  <a:solidFill>
+                    <a:schemeClr val="tx1"/>
+                  </a:solidFill>
+                  <a:latin typeface="微软雅黑" panose="020B0503020204020204" charset="-122"/>
+                  <a:ea typeface="微软雅黑" panose="020B0503020204020204" charset="-122"/>
+                </a:endParaRPr>
+              </a:p>
+              <a:p>
+                <a:pPr marL="0" indent="0" algn="l" defTabSz="0" rtl="0" eaLnBrk="1" latinLnBrk="0" hangingPunct="1">
+                  <a:spcBef>
+                    <a:spcPct val="0"/>
+                  </a:spcBef>
+                  <a:spcAft>
+                    <a:spcPct val="0"/>
+                  </a:spcAft>
+                  <a:buNone/>
+                </a:pPr>
+                <a:r>
+                  <a:rPr lang="en-US" sz="1600" dirty="0">
+                    <a:solidFill>
+                      <a:schemeClr val="tx1"/>
+                    </a:solidFill>
+                    <a:latin typeface="微软雅黑" panose="020B0503020204020204" charset="-122"/>
+                    <a:ea typeface="微软雅黑" panose="020B0503020204020204" charset="-122"/>
+                  </a:rPr>
+                  <a:t>之外，可以定义一个拓扑矩阵</a:t>
+                </a:r>
+                <a14:m>
+                  <m:oMath xmlns:m="http://schemas.openxmlformats.org/officeDocument/2006/math">
+                    <m:r>
+                      <a:rPr lang="en-US" sz="1600" dirty="0">
+                        <a:solidFill>
+                          <a:schemeClr val="tx1"/>
+                        </a:solidFill>
+                        <a:latin typeface="Cambria Math" panose="02040503050406030204" charset="0"/>
+                        <a:ea typeface="微软雅黑" panose="020B0503020204020204" charset="-122"/>
+                        <a:cs typeface="Cambria Math" panose="02040503050406030204" charset="0"/>
+                      </a:rPr>
+                      <m:t>𝑇</m:t>
+                    </m:r>
+                  </m:oMath>
+                </a14:m>
+                <a:r>
+                  <a:rPr lang="en-US" sz="1600" dirty="0">
+                    <a:solidFill>
+                      <a:schemeClr val="tx1"/>
+                    </a:solidFill>
+                    <a:latin typeface="微软雅黑" panose="020B0503020204020204" charset="-122"/>
+                    <a:ea typeface="微软雅黑" panose="020B0503020204020204" charset="-122"/>
+                  </a:rPr>
+                  <a:t>，</a:t>
+                </a:r>
+                <a:r>
+                  <a:rPr lang="en-US" sz="1600" dirty="0">
+                    <a:solidFill>
+                      <a:schemeClr val="tx1"/>
+                    </a:solidFill>
+                    <a:latin typeface="微软雅黑" panose="020B0503020204020204" charset="-122"/>
+                    <a:ea typeface="微软雅黑" panose="020B0503020204020204" charset="-122"/>
+                  </a:rPr>
+                  <a:t>该矩阵描述了查询点之间的</a:t>
+                </a:r>
+                <a:endParaRPr lang="en-US" sz="1600" dirty="0">
+                  <a:solidFill>
+                    <a:schemeClr val="tx1"/>
+                  </a:solidFill>
+                  <a:latin typeface="微软雅黑" panose="020B0503020204020204" charset="-122"/>
+                  <a:ea typeface="微软雅黑" panose="020B0503020204020204" charset="-122"/>
+                </a:endParaRPr>
+              </a:p>
+              <a:p>
+                <a:pPr marL="0" indent="0" algn="l" defTabSz="0" rtl="0" eaLnBrk="1" latinLnBrk="0" hangingPunct="1">
+                  <a:spcBef>
+                    <a:spcPct val="0"/>
+                  </a:spcBef>
+                  <a:spcAft>
+                    <a:spcPct val="0"/>
+                  </a:spcAft>
+                  <a:buNone/>
+                </a:pPr>
+                <a:r>
+                  <a:rPr lang="en-US" sz="1600" dirty="0">
+                    <a:solidFill>
+                      <a:schemeClr val="tx1"/>
+                    </a:solidFill>
+                    <a:latin typeface="微软雅黑" panose="020B0503020204020204" charset="-122"/>
+                    <a:ea typeface="微软雅黑" panose="020B0503020204020204" charset="-122"/>
+                  </a:rPr>
+                  <a:t>连通性。</a:t>
+                </a:r>
+                <a:endParaRPr lang="en-US" sz="1600" dirty="0">
+                  <a:solidFill>
+                    <a:schemeClr val="tx1"/>
+                  </a:solidFill>
+                  <a:latin typeface="微软雅黑" panose="020B0503020204020204" charset="-122"/>
+                  <a:ea typeface="微软雅黑" panose="020B0503020204020204" charset="-122"/>
+                </a:endParaRPr>
+              </a:p>
+              <a:p>
+                <a:pPr marL="0" indent="0" algn="l" defTabSz="0" rtl="0" eaLnBrk="1" latinLnBrk="0" hangingPunct="1">
+                  <a:spcBef>
+                    <a:spcPct val="0"/>
+                  </a:spcBef>
+                  <a:spcAft>
+                    <a:spcPct val="0"/>
+                  </a:spcAft>
+                  <a:buNone/>
+                </a:pPr>
+                <a:r>
+                  <a:rPr lang="en-US" sz="1600" dirty="0">
+                    <a:solidFill>
+                      <a:schemeClr val="tx1"/>
+                    </a:solidFill>
+                    <a:latin typeface="微软雅黑" panose="020B0503020204020204" charset="-122"/>
+                    <a:ea typeface="微软雅黑" panose="020B0503020204020204" charset="-122"/>
+                  </a:rPr>
+                  <a:t>2. 拓扑矩阵</a:t>
+                </a:r>
+                <a14:m>
+                  <m:oMath xmlns:m="http://schemas.openxmlformats.org/officeDocument/2006/math">
+                    <m:r>
+                      <a:rPr lang="en-US" sz="1600" dirty="0">
+                        <a:solidFill>
+                          <a:schemeClr val="tx1"/>
+                        </a:solidFill>
+                        <a:latin typeface="Cambria Math" panose="02040503050406030204" charset="0"/>
+                        <a:ea typeface="微软雅黑" panose="020B0503020204020204" charset="-122"/>
+                        <a:cs typeface="Cambria Math" panose="02040503050406030204" charset="0"/>
+                      </a:rPr>
+                      <m:t>𝑇</m:t>
+                    </m:r>
+                    <m:r>
+                      <a:rPr lang="en-US" sz="1600" dirty="0">
+                        <a:solidFill>
+                          <a:schemeClr val="tx1"/>
+                        </a:solidFill>
+                        <a:latin typeface="Cambria Math" panose="02040503050406030204" charset="0"/>
+                        <a:ea typeface="MS Mincho" panose="02020609040205080304" charset="0"/>
+                        <a:cs typeface="Cambria Math" panose="02040503050406030204" charset="0"/>
+                      </a:rPr>
+                      <m:t>∈</m:t>
+                    </m:r>
+                    <m:sSup>
+                      <m:sSupPr>
+                        <m:ctrlPr>
+                          <a:rPr lang="en-US" sz="1600" dirty="0">
+                            <a:solidFill>
+                              <a:schemeClr val="tx1"/>
+                            </a:solidFill>
+                            <a:latin typeface="Cambria Math" panose="02040503050406030204" charset="0"/>
+                            <a:ea typeface="微软雅黑" panose="020B0503020204020204" charset="-122"/>
+                            <a:cs typeface="Cambria Math" panose="02040503050406030204" charset="0"/>
+                          </a:rPr>
+                        </m:ctrlPr>
+                      </m:sSupPr>
+                      <m:e>
+                        <m:r>
+                          <a:rPr lang="en-US" sz="1600" dirty="0">
+                            <a:solidFill>
+                              <a:schemeClr val="tx1"/>
+                            </a:solidFill>
+                            <a:latin typeface="Cambria Math" panose="02040503050406030204" charset="0"/>
+                            <a:ea typeface="微软雅黑" panose="020B0503020204020204" charset="-122"/>
+                            <a:cs typeface="Cambria Math" panose="02040503050406030204" charset="0"/>
+                          </a:rPr>
+                          <m:t>𝑅</m:t>
+                        </m:r>
+                      </m:e>
+                      <m:sup>
+                        <m:r>
+                          <a:rPr lang="en-US" sz="1600" dirty="0">
+                            <a:solidFill>
+                              <a:schemeClr val="tx1"/>
+                            </a:solidFill>
+                            <a:latin typeface="Cambria Math" panose="02040503050406030204" charset="0"/>
+                            <a:ea typeface="微软雅黑" panose="020B0503020204020204" charset="-122"/>
+                            <a:cs typeface="Cambria Math" panose="02040503050406030204" charset="0"/>
+                          </a:rPr>
+                          <m:t>𝑁</m:t>
+                        </m:r>
+                        <m:r>
+                          <a:rPr lang="en-US" sz="1600" dirty="0">
+                            <a:solidFill>
+                              <a:schemeClr val="tx1"/>
+                            </a:solidFill>
+                            <a:latin typeface="Cambria Math" panose="02040503050406030204" charset="0"/>
+                            <a:ea typeface="MS Mincho" panose="02020609040205080304" charset="0"/>
+                            <a:cs typeface="Cambria Math" panose="02040503050406030204" charset="0"/>
+                          </a:rPr>
+                          <m:t>×</m:t>
+                        </m:r>
+                        <m:r>
+                          <a:rPr lang="en-US" sz="1600" dirty="0">
+                            <a:solidFill>
+                              <a:schemeClr val="tx1"/>
+                            </a:solidFill>
+                            <a:latin typeface="Cambria Math" panose="02040503050406030204" charset="0"/>
+                            <a:ea typeface="微软雅黑" panose="020B0503020204020204" charset="-122"/>
+                            <a:cs typeface="Cambria Math" panose="02040503050406030204" charset="0"/>
+                          </a:rPr>
+                          <m:t>𝑁</m:t>
+                        </m:r>
+                      </m:sup>
+                    </m:sSup>
+                  </m:oMath>
+                </a14:m>
+                <a:r>
+                  <a:rPr lang="en-US" sz="1600" dirty="0">
+                    <a:solidFill>
+                      <a:schemeClr val="tx1"/>
+                    </a:solidFill>
+                    <a:latin typeface="微软雅黑" panose="020B0503020204020204" charset="-122"/>
+                    <a:ea typeface="微软雅黑" panose="020B0503020204020204" charset="-122"/>
+                  </a:rPr>
+                  <a:t>，其中</a:t>
+                </a:r>
+                <a14:m>
+                  <m:oMath xmlns:m="http://schemas.openxmlformats.org/officeDocument/2006/math">
+                    <m:r>
+                      <a:rPr lang="en-US" sz="1600" dirty="0">
+                        <a:solidFill>
+                          <a:schemeClr val="tx1"/>
+                        </a:solidFill>
+                        <a:latin typeface="Cambria Math" panose="02040503050406030204" charset="0"/>
+                        <a:ea typeface="微软雅黑" panose="020B0503020204020204" charset="-122"/>
+                        <a:cs typeface="Cambria Math" panose="02040503050406030204" charset="0"/>
+                      </a:rPr>
+                      <m:t>𝑁</m:t>
+                    </m:r>
+                  </m:oMath>
+                </a14:m>
+                <a:r>
+                  <a:rPr lang="en-US" sz="1600" dirty="0">
+                    <a:solidFill>
+                      <a:schemeClr val="tx1"/>
+                    </a:solidFill>
+                    <a:latin typeface="微软雅黑" panose="020B0503020204020204" charset="-122"/>
+                    <a:ea typeface="微软雅黑" panose="020B0503020204020204" charset="-122"/>
+                  </a:rPr>
+                  <a:t>是查询点的数量，矩阵的每个元素</a:t>
+                </a:r>
+                <a:endParaRPr lang="en-US" sz="1600" dirty="0">
+                  <a:solidFill>
+                    <a:schemeClr val="tx1"/>
+                  </a:solidFill>
+                  <a:latin typeface="微软雅黑" panose="020B0503020204020204" charset="-122"/>
+                  <a:ea typeface="微软雅黑" panose="020B0503020204020204" charset="-122"/>
+                </a:endParaRPr>
+              </a:p>
+              <a:p>
+                <a:pPr marL="0" indent="0" algn="l" defTabSz="0" rtl="0" eaLnBrk="1" latinLnBrk="0" hangingPunct="1">
+                  <a:spcBef>
+                    <a:spcPct val="0"/>
+                  </a:spcBef>
+                  <a:spcAft>
+                    <a:spcPct val="0"/>
+                  </a:spcAft>
+                  <a:buNone/>
+                </a:pPr>
+                <a:r>
+                  <a:rPr lang="en-US" sz="1600" dirty="0">
+                    <a:solidFill>
+                      <a:schemeClr val="tx1"/>
+                    </a:solidFill>
+                    <a:latin typeface="微软雅黑" panose="020B0503020204020204" charset="-122"/>
+                    <a:ea typeface="微软雅黑" panose="020B0503020204020204" charset="-122"/>
+                  </a:rPr>
+                  <a:t>表示第</a:t>
+                </a:r>
+                <a14:m>
+                  <m:oMath xmlns:m="http://schemas.openxmlformats.org/officeDocument/2006/math">
+                    <m:r>
+                      <a:rPr lang="en-US" sz="1600" dirty="0">
+                        <a:solidFill>
+                          <a:schemeClr val="tx1"/>
+                        </a:solidFill>
+                        <a:latin typeface="Cambria Math" panose="02040503050406030204" charset="0"/>
+                        <a:ea typeface="微软雅黑" panose="020B0503020204020204" charset="-122"/>
+                        <a:cs typeface="Cambria Math" panose="02040503050406030204" charset="0"/>
+                      </a:rPr>
+                      <m:t>𝑖</m:t>
+                    </m:r>
+                  </m:oMath>
+                </a14:m>
+                <a:r>
+                  <a:rPr lang="en-US" sz="1600" dirty="0">
+                    <a:solidFill>
+                      <a:schemeClr val="tx1"/>
+                    </a:solidFill>
+                    <a:latin typeface="微软雅黑" panose="020B0503020204020204" charset="-122"/>
+                    <a:ea typeface="微软雅黑" panose="020B0503020204020204" charset="-122"/>
+                  </a:rPr>
+                  <a:t>个点和第</a:t>
+                </a:r>
+                <a14:m>
+                  <m:oMath xmlns:m="http://schemas.openxmlformats.org/officeDocument/2006/math">
+                    <m:r>
+                      <a:rPr lang="en-US" sz="1600" dirty="0">
+                        <a:solidFill>
+                          <a:schemeClr val="tx1"/>
+                        </a:solidFill>
+                        <a:latin typeface="Cambria Math" panose="02040503050406030204" charset="0"/>
+                        <a:ea typeface="微软雅黑" panose="020B0503020204020204" charset="-122"/>
+                        <a:cs typeface="Cambria Math" panose="02040503050406030204" charset="0"/>
+                      </a:rPr>
+                      <m:t>𝑗</m:t>
+                    </m:r>
+                  </m:oMath>
+                </a14:m>
+                <a:r>
+                  <a:rPr lang="en-US" sz="1600" dirty="0">
+                    <a:solidFill>
+                      <a:schemeClr val="tx1"/>
+                    </a:solidFill>
+                    <a:latin typeface="微软雅黑" panose="020B0503020204020204" charset="-122"/>
+                    <a:ea typeface="微软雅黑" panose="020B0503020204020204" charset="-122"/>
+                  </a:rPr>
+                  <a:t>个点之间的连通性，具体而言，可以用距离</a:t>
+                </a:r>
+                <a:endParaRPr lang="en-US" sz="1600" dirty="0">
+                  <a:solidFill>
+                    <a:schemeClr val="tx1"/>
+                  </a:solidFill>
+                  <a:latin typeface="微软雅黑" panose="020B0503020204020204" charset="-122"/>
+                  <a:ea typeface="微软雅黑" panose="020B0503020204020204" charset="-122"/>
+                </a:endParaRPr>
+              </a:p>
+              <a:p>
+                <a:pPr marL="0" indent="0" algn="l" defTabSz="0" rtl="0" eaLnBrk="1" latinLnBrk="0" hangingPunct="1">
+                  <a:spcBef>
+                    <a:spcPct val="0"/>
+                  </a:spcBef>
+                  <a:spcAft>
+                    <a:spcPct val="0"/>
+                  </a:spcAft>
+                  <a:buNone/>
+                </a:pPr>
+                <a:r>
+                  <a:rPr lang="en-US" sz="1600" dirty="0">
+                    <a:solidFill>
+                      <a:schemeClr val="tx1"/>
+                    </a:solidFill>
+                    <a:latin typeface="微软雅黑" panose="020B0503020204020204" charset="-122"/>
+                    <a:ea typeface="微软雅黑" panose="020B0503020204020204" charset="-122"/>
+                  </a:rPr>
+                  <a:t>来进行表示（也可以用K近邻）公式如下：</a:t>
+                </a:r>
+                <a:endParaRPr lang="en-US" sz="1600" dirty="0">
+                  <a:solidFill>
+                    <a:schemeClr val="tx1"/>
+                  </a:solidFill>
+                  <a:latin typeface="微软雅黑" panose="020B0503020204020204" charset="-122"/>
+                  <a:ea typeface="微软雅黑" panose="020B0503020204020204" charset="-122"/>
+                </a:endParaRPr>
+              </a:p>
+              <a:p>
+                <a:pPr algn="l"/>
+                <a14:m>
+                  <m:oMathPara xmlns:m="http://schemas.openxmlformats.org/officeDocument/2006/math">
+                    <m:oMathParaPr>
+                      <m:jc m:val="centerGroup"/>
+                    </m:oMathParaPr>
+                    <m:oMath xmlns:m="http://schemas.openxmlformats.org/officeDocument/2006/math">
+                      <m:sSub>
+                        <m:sSubPr>
+                          <m:ctrlPr>
+                            <a:rPr lang="en-US" altLang="zh-CN" i="1">
+                              <a:latin typeface="Cambria Math" panose="02040503050406030204" charset="0"/>
+                              <a:cs typeface="Cambria Math" panose="02040503050406030204" charset="0"/>
+                            </a:rPr>
+                          </m:ctrlPr>
+                        </m:sSubPr>
+                        <m:e>
+                          <m:r>
+                            <a:rPr lang="en-US" altLang="zh-CN" i="1">
+                              <a:latin typeface="Cambria Math" panose="02040503050406030204" charset="0"/>
+                              <a:cs typeface="Cambria Math" panose="02040503050406030204" charset="0"/>
+                            </a:rPr>
+                            <m:t>𝑇</m:t>
+                          </m:r>
+                        </m:e>
+                        <m:sub>
+                          <m:r>
+                            <a:rPr lang="en-US" altLang="zh-CN" i="1">
+                              <a:latin typeface="Cambria Math" panose="02040503050406030204" charset="0"/>
+                              <a:cs typeface="Cambria Math" panose="02040503050406030204" charset="0"/>
+                            </a:rPr>
+                            <m:t>𝑖</m:t>
+                          </m:r>
+                          <m:r>
+                            <a:rPr lang="en-US" altLang="zh-CN" i="1">
+                              <a:latin typeface="Cambria Math" panose="02040503050406030204" charset="0"/>
+                              <a:cs typeface="Cambria Math" panose="02040503050406030204" charset="0"/>
+                            </a:rPr>
+                            <m:t>,</m:t>
+                          </m:r>
+                          <m:r>
+                            <a:rPr lang="en-US" altLang="zh-CN" i="1">
+                              <a:latin typeface="Cambria Math" panose="02040503050406030204" charset="0"/>
+                              <a:cs typeface="Cambria Math" panose="02040503050406030204" charset="0"/>
+                            </a:rPr>
+                            <m:t>𝑗</m:t>
+                          </m:r>
+                        </m:sub>
+                      </m:sSub>
+                      <m:r>
+                        <a:rPr lang="en-US" altLang="zh-CN" i="1">
+                          <a:latin typeface="Cambria Math" panose="02040503050406030204" charset="0"/>
+                          <a:cs typeface="Cambria Math" panose="02040503050406030204" charset="0"/>
+                        </a:rPr>
+                        <m:t>=</m:t>
+                      </m:r>
+                      <m:r>
+                        <a:rPr lang="en-US" altLang="zh-CN" i="1">
+                          <a:latin typeface="Cambria Math" panose="02040503050406030204" charset="0"/>
+                          <a:cs typeface="Cambria Math" panose="02040503050406030204" charset="0"/>
+                        </a:rPr>
+                        <m:t>𝑒𝑥𝑝</m:t>
+                      </m:r>
+                      <m:r>
+                        <a:rPr lang="en-US" altLang="zh-CN" i="1">
+                          <a:latin typeface="Cambria Math" panose="02040503050406030204" charset="0"/>
+                          <a:cs typeface="Cambria Math" panose="02040503050406030204" charset="0"/>
+                        </a:rPr>
+                        <m:t>(−</m:t>
+                      </m:r>
+                      <m:f>
+                        <m:fPr>
+                          <m:ctrlPr>
+                            <a:rPr lang="en-US" altLang="zh-CN" i="1">
+                              <a:latin typeface="Cambria Math" panose="02040503050406030204" charset="0"/>
+                              <a:cs typeface="Cambria Math" panose="02040503050406030204" charset="0"/>
+                            </a:rPr>
+                          </m:ctrlPr>
+                        </m:fPr>
+                        <m:num>
+                          <m:sSup>
+                            <m:sSupPr>
+                              <m:ctrlPr>
+                                <a:rPr lang="en-US" altLang="zh-CN" i="1">
+                                  <a:latin typeface="Cambria Math" panose="02040503050406030204" charset="0"/>
+                                  <a:cs typeface="Cambria Math" panose="02040503050406030204" charset="0"/>
+                                </a:rPr>
+                              </m:ctrlPr>
+                            </m:sSupPr>
+                            <m:e>
+                              <m:r>
+                                <a:rPr lang="en-US" altLang="zh-CN" i="1">
+                                  <a:latin typeface="Cambria Math" panose="02040503050406030204" charset="0"/>
+                                  <a:cs typeface="Cambria Math" panose="02040503050406030204" charset="0"/>
+                                </a:rPr>
+                                <m:t>||</m:t>
+                              </m:r>
+                              <m:sSub>
+                                <m:sSubPr>
+                                  <m:ctrlPr>
+                                    <a:rPr lang="en-US" altLang="zh-CN" i="1">
+                                      <a:latin typeface="Cambria Math" panose="02040503050406030204" charset="0"/>
+                                      <a:cs typeface="Cambria Math" panose="02040503050406030204" charset="0"/>
+                                    </a:rPr>
+                                  </m:ctrlPr>
+                                </m:sSubPr>
+                                <m:e>
+                                  <m:r>
+                                    <a:rPr lang="en-US" altLang="zh-CN" i="1">
+                                      <a:latin typeface="Cambria Math" panose="02040503050406030204" charset="0"/>
+                                      <a:cs typeface="Cambria Math" panose="02040503050406030204" charset="0"/>
+                                    </a:rPr>
+                                    <m:t>𝑃</m:t>
+                                  </m:r>
+                                </m:e>
+                                <m:sub>
+                                  <m:r>
+                                    <a:rPr lang="en-US" altLang="zh-CN" i="1">
+                                      <a:latin typeface="Cambria Math" panose="02040503050406030204" charset="0"/>
+                                      <a:cs typeface="Cambria Math" panose="02040503050406030204" charset="0"/>
+                                    </a:rPr>
+                                    <m:t>𝑖</m:t>
+                                  </m:r>
+                                </m:sub>
+                              </m:sSub>
+                              <m:r>
+                                <a:rPr lang="en-US" altLang="zh-CN" i="1">
+                                  <a:latin typeface="Cambria Math" panose="02040503050406030204" charset="0"/>
+                                  <a:cs typeface="Cambria Math" panose="02040503050406030204" charset="0"/>
+                                </a:rPr>
+                                <m:t>−</m:t>
+                              </m:r>
+                              <m:sSub>
+                                <m:sSubPr>
+                                  <m:ctrlPr>
+                                    <a:rPr lang="en-US" altLang="zh-CN" i="1">
+                                      <a:latin typeface="Cambria Math" panose="02040503050406030204" charset="0"/>
+                                      <a:cs typeface="Cambria Math" panose="02040503050406030204" charset="0"/>
+                                    </a:rPr>
+                                  </m:ctrlPr>
+                                </m:sSubPr>
+                                <m:e>
+                                  <m:r>
+                                    <a:rPr lang="en-US" altLang="zh-CN" i="1">
+                                      <a:latin typeface="Cambria Math" panose="02040503050406030204" charset="0"/>
+                                      <a:cs typeface="Cambria Math" panose="02040503050406030204" charset="0"/>
+                                    </a:rPr>
+                                    <m:t>𝑃</m:t>
+                                  </m:r>
+                                </m:e>
+                                <m:sub>
+                                  <m:r>
+                                    <a:rPr lang="en-US" altLang="zh-CN" i="1">
+                                      <a:latin typeface="Cambria Math" panose="02040503050406030204" charset="0"/>
+                                      <a:cs typeface="Cambria Math" panose="02040503050406030204" charset="0"/>
+                                    </a:rPr>
+                                    <m:t>𝑗</m:t>
+                                  </m:r>
+                                </m:sub>
+                              </m:sSub>
+                              <m:r>
+                                <a:rPr lang="en-US" altLang="zh-CN" i="1">
+                                  <a:latin typeface="Cambria Math" panose="02040503050406030204" charset="0"/>
+                                  <a:cs typeface="Cambria Math" panose="02040503050406030204" charset="0"/>
+                                </a:rPr>
+                                <m:t>||</m:t>
+                              </m:r>
+                            </m:e>
+                            <m:sup>
+                              <m:r>
+                                <a:rPr lang="en-US" altLang="zh-CN" i="1">
+                                  <a:latin typeface="Cambria Math" panose="02040503050406030204" charset="0"/>
+                                  <a:cs typeface="Cambria Math" panose="02040503050406030204" charset="0"/>
+                                </a:rPr>
+                                <m:t>2</m:t>
+                              </m:r>
+                            </m:sup>
+                          </m:sSup>
+                        </m:num>
+                        <m:den>
+                          <m:sSup>
+                            <m:sSupPr>
+                              <m:ctrlPr>
+                                <a:rPr lang="en-US" altLang="zh-CN" i="1">
+                                  <a:latin typeface="Cambria Math" panose="02040503050406030204" charset="0"/>
+                                  <a:cs typeface="Cambria Math" panose="02040503050406030204" charset="0"/>
+                                </a:rPr>
+                              </m:ctrlPr>
+                            </m:sSupPr>
+                            <m:e>
+                              <m:r>
+                                <a:rPr lang="en-US" altLang="zh-CN" i="1">
+                                  <a:latin typeface="Cambria Math" panose="02040503050406030204" charset="0"/>
+                                  <a:cs typeface="Cambria Math" panose="02040503050406030204" charset="0"/>
+                                </a:rPr>
+                                <m:t>𝜎</m:t>
+                              </m:r>
+                            </m:e>
+                            <m:sup>
+                              <m:r>
+                                <a:rPr lang="en-US" altLang="zh-CN" i="1">
+                                  <a:latin typeface="Cambria Math" panose="02040503050406030204" charset="0"/>
+                                  <a:cs typeface="Cambria Math" panose="02040503050406030204" charset="0"/>
+                                </a:rPr>
+                                <m:t>2</m:t>
+                              </m:r>
+                            </m:sup>
+                          </m:sSup>
+                        </m:den>
+                      </m:f>
+                      <m:r>
+                        <a:rPr lang="en-US" altLang="zh-CN" i="1">
+                          <a:latin typeface="Cambria Math" panose="02040503050406030204" charset="0"/>
+                          <a:cs typeface="Cambria Math" panose="02040503050406030204" charset="0"/>
+                        </a:rPr>
+                        <m:t>)</m:t>
+                      </m:r>
+                    </m:oMath>
+                  </m:oMathPara>
+                </a14:m>
+                <a:endParaRPr lang="zh-CN" altLang="en-US" b="1"/>
+              </a:p>
+              <a:p>
+                <a:r>
+                  <a:rPr lang="en-US" sz="1600" dirty="0">
+                    <a:solidFill>
+                      <a:schemeClr val="tx1"/>
+                    </a:solidFill>
+                    <a:latin typeface="微软雅黑" panose="020B0503020204020204" charset="-122"/>
+                    <a:ea typeface="微软雅黑" panose="020B0503020204020204" charset="-122"/>
+                  </a:rPr>
+                  <a:t>其中：</a:t>
+                </a:r>
+                <a:endParaRPr lang="en-US" sz="1600" dirty="0">
+                  <a:solidFill>
+                    <a:schemeClr val="tx1"/>
+                  </a:solidFill>
+                  <a:latin typeface="微软雅黑" panose="020B0503020204020204" charset="-122"/>
+                  <a:ea typeface="微软雅黑" panose="020B0503020204020204" charset="-122"/>
+                </a:endParaRPr>
+              </a:p>
+            </p:txBody>
+          </p:sp>
+        </mc:Choice>
+        <mc:Fallback>
+          <p:sp>
+            <p:nvSpPr>
+              <p:cNvPr id="12" name="文本框 11"/>
+              <p:cNvSpPr txBox="1">
+                <a:spLocks noRot="1" noChangeAspect="1" noMove="1" noResize="1" noEditPoints="1" noAdjustHandles="1" noChangeArrowheads="1" noChangeShapeType="1" noTextEdit="1"/>
+              </p:cNvSpPr>
+              <p:nvPr userDrawn="1"/>
+            </p:nvSpPr>
+            <p:spPr>
+              <a:xfrm>
+                <a:off x="240879" y="1323109"/>
+                <a:ext cx="5997673" cy="1950295"/>
+              </a:xfrm>
+              <a:prstGeom prst="rect">
+                <a:avLst/>
+              </a:prstGeom>
+              <a:blipFill rotWithShape="1">
+                <a:blip r:embed="rId4"/>
+                <a:stretch>
+                  <a:fillRect l="-4" t="-21" r="5" b="-156350"/>
+                </a:stretch>
+              </a:blipFill>
+            </p:spPr>
+            <p:txBody>
+              <a:bodyPr/>
+              <a:lstStyle/>
+              <a:p>
+                <a:r>
+                  <a:rPr lang="zh-CN" altLang="en-US">
+                    <a:noFill/>
+                  </a:rPr>
+                  <a:t> </a:t>
+                </a:r>
+              </a:p>
+            </p:txBody>
+          </p:sp>
+        </mc:Fallback>
+      </mc:AlternateContent>
+      <p:cxnSp>
+        <p:nvCxnSpPr>
+          <p:cNvPr id="15" name="肘形连接符 14"/>
+          <p:cNvCxnSpPr>
+            <a:endCxn id="2" idx="0"/>
+          </p:cNvCxnSpPr>
+          <p:nvPr/>
+        </p:nvCxnSpPr>
+        <p:spPr>
+          <a:xfrm rot="5400000">
+            <a:off x="8394065" y="1893570"/>
+            <a:ext cx="1767840" cy="991870"/>
+          </a:xfrm>
+          <a:prstGeom prst="bentConnector3">
+            <a:avLst>
+              <a:gd name="adj1" fmla="val 50036"/>
+            </a:avLst>
+          </a:prstGeom>
+          <a:ln>
+            <a:tailEnd type="arrow"/>
+          </a:ln>
+        </p:spPr>
+        <p:style>
+          <a:lnRef idx="2">
+            <a:schemeClr val="accent1"/>
+          </a:lnRef>
+          <a:fillRef idx="0">
+            <a:srgbClr val="FFFFFF"/>
+          </a:fillRef>
+          <a:effectRef idx="0">
+            <a:srgbClr val="FFFFFF"/>
+          </a:effectRef>
+          <a:fontRef idx="minor">
+            <a:schemeClr val="tx1"/>
+          </a:fontRef>
+        </p:style>
+      </p:cxnSp>
+      <p:sp>
+        <p:nvSpPr>
+          <p:cNvPr id="16" name="文本框 15"/>
+          <p:cNvSpPr txBox="1"/>
+          <p:nvPr>
+            <p:custDataLst>
+              <p:tags r:id="rId5"/>
+            </p:custDataLst>
+          </p:nvPr>
+        </p:nvSpPr>
+        <p:spPr>
+          <a:xfrm>
+            <a:off x="240429" y="928869"/>
+            <a:ext cx="6574155" cy="506730"/>
+          </a:xfrm>
+          <a:prstGeom prst="rect">
+            <a:avLst/>
+          </a:prstGeom>
+          <a:noFill/>
+        </p:spPr>
+        <p:txBody>
+          <a:bodyPr wrap="square" rtlCol="0">
+            <a:spAutoFit/>
+          </a:bodyPr>
+          <a:p>
+            <a:pPr marL="285750" indent="-285750">
+              <a:lnSpc>
+                <a:spcPct val="150000"/>
+              </a:lnSpc>
+              <a:buFont typeface="Wingdings" panose="05000000000000000000" charset="0"/>
+              <a:buChar char="p"/>
+            </a:pPr>
+            <a:r>
+              <a:rPr lang="zh-CN" altLang="en-US" b="1" dirty="0">
+                <a:solidFill>
+                  <a:schemeClr val="tx1"/>
+                </a:solidFill>
+                <a:latin typeface="微软雅黑" panose="020B0503020204020204" charset="-122"/>
+                <a:ea typeface="微软雅黑" panose="020B0503020204020204" charset="-122"/>
+              </a:rPr>
+              <a:t>自己idea1</a:t>
+            </a:r>
+            <a:r>
+              <a:rPr lang="zh-CN" altLang="en-US" b="1" dirty="0">
+                <a:latin typeface="微软雅黑" panose="020B0503020204020204" charset="-122"/>
+                <a:ea typeface="微软雅黑" panose="020B0503020204020204" charset="-122"/>
+              </a:rPr>
+              <a:t>：</a:t>
+            </a:r>
+            <a:endParaRPr lang="zh-CN" altLang="en-US" b="1" dirty="0">
+              <a:latin typeface="微软雅黑" panose="020B0503020204020204" charset="-122"/>
+              <a:ea typeface="微软雅黑" panose="020B0503020204020204" charset="-122"/>
+            </a:endParaRPr>
+          </a:p>
+        </p:txBody>
+      </p:sp>
+    </p:spTree>
+  </p:cSld>
+  <p:clrMapOvr>
+    <a:masterClrMapping/>
+  </p:clrMapOvr>
+</p:sld>
+</file>
+
+<file path=ppt/slides/slide11.xml><?xml version="1.0" encoding="utf-8"?>
+<p:sld xmlns:a="http://schemas.openxmlformats.org/drawingml/2006/main" xmlns:r="http://schemas.openxmlformats.org/officeDocument/2006/relationships" xmlns:p="http://schemas.openxmlformats.org/presentationml/2006/main">
+  <p:cSld>
+    <p:bg>
+      <p:bgRef idx="1001">
+        <a:schemeClr val="bg1"/>
+      </p:bgRef>
+    </p:bg>
+    <p:spTree>
+      <p:nvGrpSpPr>
+        <p:cNvPr id="1" name=""/>
+        <p:cNvGrpSpPr/>
+        <p:nvPr/>
+      </p:nvGrpSpPr>
+      <p:grpSpPr>
+        <a:xfrm>
+          <a:off x="0" y="0"/>
+          <a:ext cx="0" cy="0"/>
+          <a:chOff x="0" y="0"/>
+          <a:chExt cx="0" cy="0"/>
+        </a:xfrm>
+      </p:grpSpPr>
+      <p:sp>
+        <p:nvSpPr>
+          <p:cNvPr id="13" name="文本框 12"/>
+          <p:cNvSpPr txBox="1"/>
+          <p:nvPr/>
+        </p:nvSpPr>
+        <p:spPr>
+          <a:xfrm>
+            <a:off x="106466" y="601786"/>
+            <a:ext cx="1099820" cy="398780"/>
+          </a:xfrm>
+          <a:prstGeom prst="rect">
+            <a:avLst/>
+          </a:prstGeom>
+          <a:noFill/>
+        </p:spPr>
+        <p:txBody>
+          <a:bodyPr wrap="none" rtlCol="0">
+            <a:spAutoFit/>
+          </a:bodyPr>
+          <a:lstStyle/>
+          <a:p>
+            <a:pPr marL="342900" indent="-342900">
+              <a:buFont typeface="Wingdings" panose="05000000000000000000" charset="0"/>
+              <a:buChar char="n"/>
+            </a:pPr>
+            <a:r>
+              <a:rPr lang="zh-CN" altLang="en-US" sz="2000" b="1" dirty="0">
+                <a:latin typeface="微软雅黑" panose="020B0503020204020204" charset="-122"/>
+                <a:ea typeface="微软雅黑" panose="020B0503020204020204" charset="-122"/>
+              </a:rPr>
+              <a:t>idea</a:t>
+            </a:r>
+            <a:endParaRPr lang="zh-CN" altLang="en-US" sz="2000" b="1" dirty="0">
+              <a:latin typeface="微软雅黑" panose="020B0503020204020204" charset="-122"/>
+              <a:ea typeface="微软雅黑" panose="020B0503020204020204" charset="-122"/>
+            </a:endParaRPr>
+          </a:p>
+        </p:txBody>
+      </p:sp>
+      <p:sp>
+        <p:nvSpPr>
+          <p:cNvPr id="7" name="文本框 6"/>
+          <p:cNvSpPr txBox="1"/>
+          <p:nvPr/>
+        </p:nvSpPr>
+        <p:spPr>
+          <a:xfrm>
+            <a:off x="724535" y="1323340"/>
+            <a:ext cx="2247900" cy="410845"/>
+          </a:xfrm>
+          <a:prstGeom prst="rect">
+            <a:avLst/>
+          </a:prstGeom>
+          <a:noFill/>
+        </p:spPr>
+        <p:txBody>
+          <a:bodyPr wrap="square">
+            <a:noAutofit/>
+          </a:bodyPr>
+          <a:lstStyle/>
+          <a:p>
+            <a:pPr fontAlgn="auto">
+              <a:lnSpc>
+                <a:spcPts val="2200"/>
+              </a:lnSpc>
+              <a:buClrTx/>
+              <a:buSzTx/>
+              <a:buNone/>
+            </a:pPr>
+            <a:endParaRPr lang="zh-CN" altLang="en-US" sz="1600" dirty="0">
+              <a:latin typeface="微软雅黑" panose="020B0503020204020204" charset="-122"/>
+              <a:ea typeface="微软雅黑" panose="020B0503020204020204" charset="-122"/>
+            </a:endParaRPr>
+          </a:p>
+        </p:txBody>
+      </p:sp>
+      <p:sp>
+        <p:nvSpPr>
+          <p:cNvPr id="3" name="矩形 2"/>
+          <p:cNvSpPr/>
+          <p:nvPr>
+            <p:custDataLst>
+              <p:tags r:id="rId1"/>
+            </p:custDataLst>
+          </p:nvPr>
+        </p:nvSpPr>
+        <p:spPr>
+          <a:xfrm>
+            <a:off x="-6350" y="0"/>
+            <a:ext cx="12198350" cy="540000"/>
+          </a:xfrm>
+          <a:prstGeom prst="rect">
+            <a:avLst/>
+          </a:prstGeom>
+          <a:solidFill>
+            <a:srgbClr val="A099CB"/>
+          </a:solidFill>
+          <a:ln>
+            <a:noFill/>
+          </a:ln>
+        </p:spPr>
+        <p:style>
+          <a:lnRef idx="2">
+            <a:schemeClr val="accent1">
+              <a:shade val="50000"/>
+            </a:schemeClr>
+          </a:lnRef>
+          <a:fillRef idx="1">
+            <a:schemeClr val="accent1"/>
+          </a:fillRef>
+          <a:effectRef idx="0">
+            <a:schemeClr val="accent1"/>
+          </a:effectRef>
+          <a:fontRef idx="minor">
+            <a:schemeClr val="lt1"/>
+          </a:fontRef>
+        </p:style>
+        <p:txBody>
+          <a:bodyPr rtlCol="0" anchor="ctr"/>
+          <a:p>
+            <a:pPr marL="0" marR="0" lvl="0" indent="0" algn="ctr" defTabSz="914400" rtl="0" eaLnBrk="1" fontAlgn="auto" latinLnBrk="0" hangingPunct="1">
+              <a:lnSpc>
+                <a:spcPct val="100000"/>
+              </a:lnSpc>
+              <a:spcBef>
+                <a:spcPts val="0"/>
+              </a:spcBef>
+              <a:spcAft>
+                <a:spcPts val="0"/>
+              </a:spcAft>
+              <a:buClrTx/>
+              <a:buSzTx/>
+              <a:buFontTx/>
+              <a:buNone/>
+              <a:defRPr/>
+            </a:pPr>
+            <a:r>
+              <a:rPr lang="en-US" altLang="zh-CN" sz="1800" dirty="0">
+                <a:effectLst/>
+                <a:latin typeface="微软雅黑" panose="020B0503020204020204" charset="-122"/>
+                <a:ea typeface="微软雅黑" panose="020B0503020204020204" charset="-122"/>
+              </a:rPr>
+              <a:t>2.</a:t>
+            </a:r>
+            <a:r>
+              <a:rPr lang="en-US" altLang="zh-CN" dirty="0">
+                <a:effectLst/>
+                <a:latin typeface="微软雅黑" panose="020B0503020204020204" charset="-122"/>
+                <a:ea typeface="微软雅黑" panose="020B0503020204020204" charset="-122"/>
+                <a:sym typeface="+mn-ea"/>
+              </a:rPr>
+              <a:t>参考的论文，一些idea</a:t>
+            </a:r>
+            <a:endParaRPr lang="en-US" altLang="zh-CN" dirty="0">
+              <a:effectLst/>
+              <a:latin typeface="微软雅黑" panose="020B0503020204020204" charset="-122"/>
+              <a:ea typeface="微软雅黑" panose="020B0503020204020204" charset="-122"/>
+              <a:sym typeface="+mn-ea"/>
+            </a:endParaRPr>
+          </a:p>
+        </p:txBody>
+      </p:sp>
+      <p:pic>
+        <p:nvPicPr>
+          <p:cNvPr id="2" name="图片 1" descr="upload_post_object_v2_1955608540"/>
+          <p:cNvPicPr>
+            <a:picLocks noChangeAspect="1"/>
+          </p:cNvPicPr>
+          <p:nvPr/>
+        </p:nvPicPr>
+        <p:blipFill>
+          <a:blip r:embed="rId2"/>
+          <a:stretch>
+            <a:fillRect/>
+          </a:stretch>
+        </p:blipFill>
+        <p:spPr>
+          <a:xfrm>
+            <a:off x="178235" y="1000850"/>
+            <a:ext cx="5554441" cy="1770261"/>
+          </a:xfrm>
+          <a:prstGeom prst="rect">
+            <a:avLst/>
+          </a:prstGeom>
+        </p:spPr>
+      </p:pic>
+      <p:sp>
+        <p:nvSpPr>
+          <p:cNvPr id="10" name="文本框 9"/>
+          <p:cNvSpPr txBox="1"/>
+          <p:nvPr>
+            <p:custDataLst>
+              <p:tags r:id="rId3"/>
+            </p:custDataLst>
+          </p:nvPr>
+        </p:nvSpPr>
+        <p:spPr>
+          <a:xfrm>
+            <a:off x="178199" y="2922134"/>
+            <a:ext cx="6574155" cy="506730"/>
+          </a:xfrm>
+          <a:prstGeom prst="rect">
+            <a:avLst/>
+          </a:prstGeom>
+          <a:noFill/>
+        </p:spPr>
+        <p:txBody>
+          <a:bodyPr wrap="square" rtlCol="0">
+            <a:spAutoFit/>
+          </a:bodyPr>
+          <a:p>
+            <a:pPr marL="285750" indent="-285750">
+              <a:lnSpc>
+                <a:spcPct val="150000"/>
+              </a:lnSpc>
+              <a:buFont typeface="Wingdings" panose="05000000000000000000" charset="0"/>
+              <a:buChar char="p"/>
+            </a:pPr>
+            <a:r>
+              <a:rPr lang="zh-CN" altLang="en-US" b="1" dirty="0">
+                <a:latin typeface="微软雅黑" panose="020B0503020204020204" charset="-122"/>
+                <a:ea typeface="微软雅黑" panose="020B0503020204020204" charset="-122"/>
+              </a:rPr>
+              <a:t>自己idea2：</a:t>
+            </a:r>
+            <a:endParaRPr lang="zh-CN" altLang="en-US" b="1" dirty="0">
+              <a:latin typeface="微软雅黑" panose="020B0503020204020204" charset="-122"/>
+              <a:ea typeface="微软雅黑" panose="020B0503020204020204" charset="-122"/>
+            </a:endParaRPr>
+          </a:p>
+        </p:txBody>
+      </p:sp>
+      <p:pic>
+        <p:nvPicPr>
+          <p:cNvPr id="4" name="图片 3"/>
+          <p:cNvPicPr>
+            <a:picLocks noChangeAspect="1"/>
+          </p:cNvPicPr>
+          <p:nvPr/>
+        </p:nvPicPr>
+        <p:blipFill>
+          <a:blip r:embed="rId4"/>
+          <a:stretch>
+            <a:fillRect/>
+          </a:stretch>
+        </p:blipFill>
+        <p:spPr>
+          <a:xfrm>
+            <a:off x="106680" y="3580130"/>
+            <a:ext cx="5312410" cy="541020"/>
+          </a:xfrm>
+          <a:prstGeom prst="rect">
+            <a:avLst/>
+          </a:prstGeom>
+        </p:spPr>
+      </p:pic>
+      <p:sp>
+        <p:nvSpPr>
+          <p:cNvPr id="5" name="文本框 4"/>
+          <p:cNvSpPr txBox="1"/>
+          <p:nvPr/>
+        </p:nvSpPr>
+        <p:spPr>
+          <a:xfrm>
+            <a:off x="178435" y="4209098"/>
+            <a:ext cx="5080000" cy="2799715"/>
+          </a:xfrm>
+          <a:prstGeom prst="rect">
+            <a:avLst/>
+          </a:prstGeom>
+        </p:spPr>
+        <p:txBody>
+          <a:bodyPr>
+            <a:spAutoFit/>
+          </a:bodyPr>
+          <a:p>
+            <a:pPr indent="0" algn="just" defTabSz="266700">
+              <a:spcBef>
+                <a:spcPct val="0"/>
+              </a:spcBef>
+              <a:spcAft>
+                <a:spcPct val="0"/>
+              </a:spcAft>
+            </a:pPr>
+            <a:r>
+              <a:rPr lang="en-US" sz="1600" dirty="0">
+                <a:latin typeface="微软雅黑" panose="020B0503020204020204" charset="-122"/>
+                <a:ea typeface="微软雅黑" panose="020B0503020204020204" charset="-122"/>
+              </a:rPr>
+              <a:t>物体在不同的（x,y,z）上的特征和分布是不均匀的。</a:t>
+            </a:r>
+            <a:endParaRPr lang="en-US" sz="1600" dirty="0">
+              <a:latin typeface="微软雅黑" panose="020B0503020204020204" charset="-122"/>
+              <a:ea typeface="微软雅黑" panose="020B0503020204020204" charset="-122"/>
+            </a:endParaRPr>
+          </a:p>
+          <a:p>
+            <a:pPr indent="0" algn="just" defTabSz="266700">
+              <a:spcBef>
+                <a:spcPct val="0"/>
+              </a:spcBef>
+              <a:spcAft>
+                <a:spcPct val="0"/>
+              </a:spcAft>
+            </a:pPr>
+            <a:endParaRPr lang="en-US" sz="1600" dirty="0">
+              <a:latin typeface="微软雅黑" panose="020B0503020204020204" charset="-122"/>
+              <a:ea typeface="微软雅黑" panose="020B0503020204020204" charset="-122"/>
+            </a:endParaRPr>
+          </a:p>
+          <a:p>
+            <a:pPr indent="0" algn="just" defTabSz="266700">
+              <a:spcBef>
+                <a:spcPct val="0"/>
+              </a:spcBef>
+              <a:spcAft>
+                <a:spcPct val="0"/>
+              </a:spcAft>
+            </a:pPr>
+            <a:r>
+              <a:rPr lang="zh-CN" altLang="en-US" sz="1600" dirty="0">
+                <a:latin typeface="微软雅黑" panose="020B0503020204020204" charset="-122"/>
+                <a:ea typeface="微软雅黑" panose="020B0503020204020204" charset="-122"/>
+              </a:rPr>
+              <a:t>但是论文中的</a:t>
+            </a:r>
+            <a:r>
+              <a:rPr lang="en-US" altLang="zh-CN" sz="1600" dirty="0">
+                <a:latin typeface="微软雅黑" panose="020B0503020204020204" charset="-122"/>
+                <a:ea typeface="微软雅黑" panose="020B0503020204020204" charset="-122"/>
+              </a:rPr>
+              <a:t>IoU</a:t>
+            </a:r>
+            <a:r>
+              <a:rPr lang="zh-CN" altLang="en-US" sz="1600" dirty="0">
+                <a:latin typeface="微软雅黑" panose="020B0503020204020204" charset="-122"/>
+                <a:ea typeface="微软雅黑" panose="020B0503020204020204" charset="-122"/>
+              </a:rPr>
+              <a:t>把</a:t>
+            </a:r>
+            <a:r>
+              <a:rPr lang="en-US" altLang="zh-CN" sz="1600" dirty="0">
+                <a:latin typeface="微软雅黑" panose="020B0503020204020204" charset="-122"/>
+                <a:ea typeface="微软雅黑" panose="020B0503020204020204" charset="-122"/>
+              </a:rPr>
+              <a:t>xy</a:t>
+            </a:r>
+            <a:r>
+              <a:rPr lang="zh-CN" altLang="en-US" sz="1600" dirty="0">
+                <a:latin typeface="微软雅黑" panose="020B0503020204020204" charset="-122"/>
+                <a:ea typeface="微软雅黑" panose="020B0503020204020204" charset="-122"/>
+              </a:rPr>
+              <a:t>和</a:t>
+            </a:r>
+            <a:r>
+              <a:rPr lang="en-US" altLang="zh-CN" sz="1600" dirty="0">
+                <a:latin typeface="微软雅黑" panose="020B0503020204020204" charset="-122"/>
+                <a:ea typeface="微软雅黑" panose="020B0503020204020204" charset="-122"/>
+              </a:rPr>
+              <a:t>z</a:t>
+            </a:r>
+            <a:r>
+              <a:rPr lang="zh-CN" altLang="en-US" sz="1600" dirty="0">
+                <a:latin typeface="微软雅黑" panose="020B0503020204020204" charset="-122"/>
+                <a:ea typeface="微软雅黑" panose="020B0503020204020204" charset="-122"/>
+              </a:rPr>
+              <a:t>作为两个等价的平面，并且没有给出比较合理的解释，我就想过这样是否有不合理的情况</a:t>
+            </a:r>
+            <a:endParaRPr lang="en-US" sz="1600" dirty="0">
+              <a:latin typeface="微软雅黑" panose="020B0503020204020204" charset="-122"/>
+              <a:ea typeface="微软雅黑" panose="020B0503020204020204" charset="-122"/>
+            </a:endParaRPr>
+          </a:p>
+          <a:p>
+            <a:pPr indent="0" algn="just" defTabSz="266700">
+              <a:spcBef>
+                <a:spcPct val="0"/>
+              </a:spcBef>
+              <a:spcAft>
+                <a:spcPct val="0"/>
+              </a:spcAft>
+            </a:pPr>
+            <a:endParaRPr lang="en-US" sz="1600" dirty="0">
+              <a:latin typeface="微软雅黑" panose="020B0503020204020204" charset="-122"/>
+              <a:ea typeface="微软雅黑" panose="020B0503020204020204" charset="-122"/>
+            </a:endParaRPr>
+          </a:p>
+          <a:p>
+            <a:pPr indent="0" algn="just" defTabSz="266700">
+              <a:spcBef>
+                <a:spcPct val="0"/>
+              </a:spcBef>
+              <a:spcAft>
+                <a:spcPct val="0"/>
+              </a:spcAft>
+            </a:pPr>
+            <a:r>
+              <a:rPr lang="en-US" sz="1600" dirty="0">
+                <a:latin typeface="微软雅黑" panose="020B0503020204020204" charset="-122"/>
+                <a:ea typeface="微软雅黑" panose="020B0503020204020204" charset="-122"/>
+              </a:rPr>
+              <a:t>例如，室内场景中物体的z轴变化较小，而x轴和y轴上的变化更为明显。原有的解耦IoU未能考虑到这种不均衡性，会导致模型在某些维度上的优化不够精确。</a:t>
+            </a:r>
+            <a:endParaRPr lang="en-US" sz="1600" dirty="0">
+              <a:latin typeface="微软雅黑" panose="020B0503020204020204" charset="-122"/>
+              <a:ea typeface="微软雅黑" panose="020B0503020204020204" charset="-122"/>
+            </a:endParaRPr>
+          </a:p>
+          <a:p>
+            <a:pPr indent="0" algn="just" defTabSz="266700">
+              <a:spcBef>
+                <a:spcPct val="0"/>
+              </a:spcBef>
+              <a:spcAft>
+                <a:spcPct val="0"/>
+              </a:spcAft>
+            </a:pPr>
+            <a:endParaRPr lang="en-US" sz="1600" dirty="0">
+              <a:latin typeface="微软雅黑" panose="020B0503020204020204" charset="-122"/>
+              <a:ea typeface="微软雅黑" panose="020B0503020204020204" charset="-122"/>
+            </a:endParaRPr>
+          </a:p>
+          <a:p>
+            <a:pPr indent="0" algn="just" defTabSz="266700">
+              <a:spcBef>
+                <a:spcPct val="0"/>
+              </a:spcBef>
+              <a:spcAft>
+                <a:spcPct val="0"/>
+              </a:spcAft>
+            </a:pPr>
+            <a:endParaRPr lang="en-US" altLang="zh-CN" sz="1600" dirty="0">
+              <a:latin typeface="微软雅黑" panose="020B0503020204020204" charset="-122"/>
+              <a:ea typeface="微软雅黑" panose="020B0503020204020204" charset="-122"/>
+            </a:endParaRPr>
+          </a:p>
+        </p:txBody>
+      </p:sp>
+      <p:graphicFrame>
+        <p:nvGraphicFramePr>
+          <p:cNvPr id="-2147482608" name="对象 -2147482609"/>
+          <p:cNvGraphicFramePr>
+            <a:graphicFrameLocks noChangeAspect="1"/>
+          </p:cNvGraphicFramePr>
+          <p:nvPr/>
+        </p:nvGraphicFramePr>
+        <p:xfrm>
+          <a:off x="6280785" y="1058545"/>
+          <a:ext cx="5327015" cy="614045"/>
+        </p:xfrm>
+        <a:graphic>
+          <a:graphicData uri="http://schemas.openxmlformats.org/presentationml/2006/ole">
+            <mc:AlternateContent xmlns:mc="http://schemas.openxmlformats.org/markup-compatibility/2006">
+              <mc:Choice xmlns:v="urn:schemas-microsoft-com:vml" Requires="v">
+                <p:oleObj spid="_x0000_s3076" name="" r:id="rId5" imgW="4076700" imgH="469900" progId="Equation.KSEE3">
+                  <p:embed/>
+                </p:oleObj>
+              </mc:Choice>
+              <mc:Fallback>
+                <p:oleObj name="" r:id="rId5" imgW="4076700" imgH="469900" progId="Equation.KSEE3">
+                  <p:embed/>
+                  <p:pic>
+                    <p:nvPicPr>
+                      <p:cNvPr id="0" name="图片 3075"/>
+                      <p:cNvPicPr/>
+                      <p:nvPr/>
+                    </p:nvPicPr>
+                    <p:blipFill>
+                      <a:blip r:embed="rId6"/>
+                      <a:stretch>
+                        <a:fillRect/>
+                      </a:stretch>
+                    </p:blipFill>
+                    <p:spPr>
+                      <a:xfrm>
+                        <a:off x="6280785" y="1058545"/>
+                        <a:ext cx="5327015" cy="614045"/>
+                      </a:xfrm>
+                      <a:prstGeom prst="rect">
+                        <a:avLst/>
+                      </a:prstGeom>
+                      <a:noFill/>
+                      <a:ln w="38100">
+                        <a:noFill/>
+                        <a:miter/>
+                      </a:ln>
+                    </p:spPr>
+                  </p:pic>
+                </p:oleObj>
+              </mc:Fallback>
+            </mc:AlternateContent>
+          </a:graphicData>
+        </a:graphic>
+      </p:graphicFrame>
+      <p:sp>
+        <p:nvSpPr>
+          <p:cNvPr id="6" name="文本框 5"/>
+          <p:cNvSpPr txBox="1"/>
+          <p:nvPr/>
+        </p:nvSpPr>
+        <p:spPr>
+          <a:xfrm>
+            <a:off x="6021705" y="1961515"/>
+            <a:ext cx="6096000" cy="583565"/>
+          </a:xfrm>
+          <a:prstGeom prst="rect">
+            <a:avLst/>
+          </a:prstGeom>
+          <a:noFill/>
+        </p:spPr>
+        <p:txBody>
+          <a:bodyPr wrap="square" rtlCol="0" anchor="t">
+            <a:spAutoFit/>
+          </a:bodyPr>
+          <a:p>
+            <a:pPr indent="0" algn="just" defTabSz="266700">
+              <a:spcBef>
+                <a:spcPct val="0"/>
+              </a:spcBef>
+              <a:spcAft>
+                <a:spcPct val="0"/>
+              </a:spcAft>
+            </a:pPr>
+            <a:r>
+              <a:rPr lang="zh-CN" altLang="en-US" sz="1600" dirty="0">
+                <a:latin typeface="微软雅黑" panose="020B0503020204020204" charset="-122"/>
+                <a:ea typeface="微软雅黑" panose="020B0503020204020204" charset="-122"/>
+                <a:sym typeface="+mn-ea"/>
+              </a:rPr>
+              <a:t>可不可以加上两个可学习的参数或者直接是超参数</a:t>
+            </a:r>
+            <a:r>
+              <a:rPr lang="en-US" altLang="zh-CN" sz="1600" dirty="0">
+                <a:latin typeface="微软雅黑" panose="020B0503020204020204" charset="-122"/>
+                <a:ea typeface="微软雅黑" panose="020B0503020204020204" charset="-122"/>
+                <a:sym typeface="+mn-ea"/>
+              </a:rPr>
+              <a:t>α</a:t>
+            </a:r>
+            <a:r>
+              <a:rPr lang="zh-CN" altLang="en-US" sz="1600" dirty="0">
+                <a:latin typeface="微软雅黑" panose="020B0503020204020204" charset="-122"/>
+                <a:ea typeface="微软雅黑" panose="020B0503020204020204" charset="-122"/>
+                <a:sym typeface="+mn-ea"/>
+              </a:rPr>
+              <a:t>和</a:t>
+            </a:r>
+            <a:r>
+              <a:rPr lang="en-US" altLang="zh-CN" sz="1600" dirty="0">
+                <a:latin typeface="微软雅黑" panose="020B0503020204020204" charset="-122"/>
+                <a:ea typeface="微软雅黑" panose="020B0503020204020204" charset="-122"/>
+                <a:sym typeface="+mn-ea"/>
+              </a:rPr>
+              <a:t>β</a:t>
+            </a:r>
+            <a:r>
+              <a:rPr lang="zh-CN" altLang="en-US" sz="1600" dirty="0">
+                <a:latin typeface="微软雅黑" panose="020B0503020204020204" charset="-122"/>
+                <a:ea typeface="微软雅黑" panose="020B0503020204020204" charset="-122"/>
+                <a:sym typeface="+mn-ea"/>
+              </a:rPr>
+              <a:t>，改变一下原文中损失函数的实现形式</a:t>
+            </a:r>
+            <a:endParaRPr lang="zh-CN" altLang="en-US" sz="1600" dirty="0">
+              <a:latin typeface="微软雅黑" panose="020B0503020204020204" charset="-122"/>
+              <a:ea typeface="微软雅黑" panose="020B0503020204020204" charset="-122"/>
+              <a:sym typeface="+mn-ea"/>
+            </a:endParaRPr>
+          </a:p>
+        </p:txBody>
+      </p:sp>
+    </p:spTree>
+  </p:cSld>
+  <p:clrMapOvr>
+    <a:overrideClrMapping bg1="lt1" tx1="dk1" bg2="lt2" tx2="dk2" accent1="accent1" accent2="accent2" accent3="accent3" accent4="accent4" accent5="accent5" accent6="accent6" hlink="hlink" folHlink="folHlink"/>
+  </p:clrMapOvr>
+</p:sld>
+</file>
+
+<file path=ppt/slides/slide12.xml><?xml version="1.0" encoding="utf-8"?>
+<p:sld xmlns:a="http://schemas.openxmlformats.org/drawingml/2006/main" xmlns:r="http://schemas.openxmlformats.org/officeDocument/2006/relationships" xmlns:p="http://schemas.openxmlformats.org/presentationml/2006/main">
+  <p:cSld>
+    <p:spTree>
+      <p:nvGrpSpPr>
+        <p:cNvPr id="1" name=""/>
+        <p:cNvGrpSpPr/>
+        <p:nvPr/>
+      </p:nvGrpSpPr>
+      <p:grpSpPr>
+        <a:xfrm>
+          <a:off x="0" y="0"/>
+          <a:ext cx="0" cy="0"/>
+          <a:chOff x="0" y="0"/>
+          <a:chExt cx="0" cy="0"/>
+        </a:xfrm>
+      </p:grpSpPr>
+      <p:pic>
+        <p:nvPicPr>
+          <p:cNvPr id="4" name="图片 3" descr="1"/>
+          <p:cNvPicPr>
+            <a:picLocks noChangeAspect="1"/>
+          </p:cNvPicPr>
+          <p:nvPr/>
+        </p:nvPicPr>
+        <p:blipFill>
+          <a:blip r:embed="rId1"/>
+          <a:stretch>
+            <a:fillRect/>
+          </a:stretch>
+        </p:blipFill>
+        <p:spPr>
+          <a:xfrm>
+            <a:off x="4745355" y="-588645"/>
+            <a:ext cx="12060555" cy="8474075"/>
+          </a:xfrm>
+          <a:prstGeom prst="rect">
+            <a:avLst/>
+          </a:prstGeom>
+        </p:spPr>
+      </p:pic>
+      <p:sp>
+        <p:nvSpPr>
+          <p:cNvPr id="5" name="文本框 4"/>
+          <p:cNvSpPr txBox="1"/>
+          <p:nvPr/>
+        </p:nvSpPr>
+        <p:spPr>
+          <a:xfrm>
+            <a:off x="1038225" y="1470025"/>
+            <a:ext cx="2301875" cy="1861185"/>
+          </a:xfrm>
+          <a:prstGeom prst="rect">
+            <a:avLst/>
+          </a:prstGeom>
+          <a:noFill/>
+        </p:spPr>
+        <p:txBody>
+          <a:bodyPr wrap="square" rtlCol="0">
+            <a:spAutoFit/>
+          </a:bodyPr>
+          <a:lstStyle/>
+          <a:p>
+            <a:pPr marL="0" marR="0" lvl="0" indent="0" algn="l" defTabSz="914400" rtl="0" eaLnBrk="1" fontAlgn="auto" latinLnBrk="0" hangingPunct="1">
+              <a:lnSpc>
+                <a:spcPct val="100000"/>
+              </a:lnSpc>
+              <a:spcBef>
+                <a:spcPts val="0"/>
+              </a:spcBef>
+              <a:spcAft>
+                <a:spcPts val="0"/>
+              </a:spcAft>
+              <a:buClrTx/>
+              <a:buSzTx/>
+              <a:buFontTx/>
+              <a:buNone/>
+              <a:defRPr/>
+            </a:pPr>
+            <a:r>
+              <a:rPr kumimoji="0" lang="en-US" altLang="zh-CN" sz="11500" b="0" i="0" u="none" strike="noStrike" kern="1200" cap="none" spc="0" normalizeH="0" baseline="0" noProof="0" dirty="0">
+                <a:ln>
+                  <a:solidFill>
+                    <a:srgbClr val="383987"/>
+                  </a:solidFill>
+                </a:ln>
+                <a:noFill/>
+                <a:effectLst/>
+                <a:uLnTx/>
+                <a:uFillTx/>
+                <a:latin typeface="Agency FB" panose="020B0503020202020204" pitchFamily="34" charset="0"/>
+                <a:ea typeface="宋体" panose="02010600030101010101" pitchFamily="2" charset="-122"/>
+                <a:cs typeface="+mn-cs"/>
+              </a:rPr>
+              <a:t>03</a:t>
+            </a:r>
+            <a:endParaRPr kumimoji="0" lang="en-US" altLang="zh-CN" sz="11500" b="0" i="0" u="none" strike="noStrike" kern="1200" cap="none" spc="0" normalizeH="0" baseline="0" noProof="0" dirty="0">
+              <a:ln>
+                <a:solidFill>
+                  <a:srgbClr val="383987"/>
+                </a:solidFill>
+              </a:ln>
+              <a:noFill/>
+              <a:effectLst/>
+              <a:uLnTx/>
+              <a:uFillTx/>
+              <a:latin typeface="Agency FB" panose="020B0503020202020204" pitchFamily="34" charset="0"/>
+              <a:ea typeface="宋体" panose="02010600030101010101" pitchFamily="2" charset="-122"/>
+              <a:cs typeface="+mn-cs"/>
+            </a:endParaRPr>
+          </a:p>
+        </p:txBody>
+      </p:sp>
+      <p:sp>
+        <p:nvSpPr>
+          <p:cNvPr id="6" name="文本框 5"/>
+          <p:cNvSpPr txBox="1"/>
+          <p:nvPr/>
+        </p:nvSpPr>
+        <p:spPr>
+          <a:xfrm>
+            <a:off x="1265555" y="3049270"/>
+            <a:ext cx="11768455" cy="777240"/>
+          </a:xfrm>
+          <a:prstGeom prst="rect">
+            <a:avLst/>
+          </a:prstGeom>
+          <a:noFill/>
+        </p:spPr>
+        <p:txBody>
+          <a:bodyPr wrap="square" rtlCol="0">
+            <a:noAutofit/>
+          </a:bodyPr>
+          <a:lstStyle/>
+          <a:p>
+            <a:pPr marL="0" marR="0" lvl="0" indent="0" algn="ctr" defTabSz="914400" rtl="0" eaLnBrk="1" fontAlgn="auto" latinLnBrk="0" hangingPunct="1">
+              <a:lnSpc>
+                <a:spcPct val="100000"/>
+              </a:lnSpc>
+              <a:spcBef>
+                <a:spcPts val="0"/>
+              </a:spcBef>
+              <a:spcAft>
+                <a:spcPts val="0"/>
+              </a:spcAft>
+              <a:buClrTx/>
+              <a:buSzTx/>
+              <a:buFontTx/>
+              <a:buNone/>
+              <a:defRPr/>
+            </a:pPr>
+            <a:r>
+              <a:rPr lang="zh-CN" sz="3600" dirty="0">
+                <a:solidFill>
+                  <a:srgbClr val="383987"/>
+                </a:solidFill>
+                <a:latin typeface="微软雅黑" panose="020B0503020204020204" charset="-122"/>
+                <a:ea typeface="微软雅黑" panose="020B0503020204020204" charset="-122"/>
+                <a:sym typeface="+mn-ea"/>
+              </a:rPr>
+              <a:t>计划</a:t>
+            </a:r>
+            <a:r>
+              <a:rPr lang="en-US" altLang="zh-CN" sz="3600" dirty="0">
+                <a:solidFill>
+                  <a:srgbClr val="383987"/>
+                </a:solidFill>
+                <a:latin typeface="微软雅黑" panose="020B0503020204020204" charset="-122"/>
+                <a:ea typeface="微软雅黑" panose="020B0503020204020204" charset="-122"/>
+                <a:sym typeface="+mn-ea"/>
+              </a:rPr>
+              <a:t> </a:t>
+            </a:r>
+            <a:endParaRPr lang="en-US" altLang="zh-CN" sz="3600" dirty="0">
+              <a:solidFill>
+                <a:srgbClr val="383987"/>
+              </a:solidFill>
+              <a:latin typeface="微软雅黑" panose="020B0503020204020204" charset="-122"/>
+              <a:ea typeface="微软雅黑" panose="020B0503020204020204" charset="-122"/>
+              <a:sym typeface="+mn-ea"/>
+            </a:endParaRPr>
+          </a:p>
+        </p:txBody>
+      </p:sp>
+    </p:spTree>
+  </p:cSld>
+  <p:clrMapOvr>
+    <a:masterClrMapping/>
+  </p:clrMapOvr>
+</p:sld>
+</file>
+
+<file path=ppt/slides/slide13.xml><?xml version="1.0" encoding="utf-8"?>
+<p:sld xmlns:a="http://schemas.openxmlformats.org/drawingml/2006/main" xmlns:r="http://schemas.openxmlformats.org/officeDocument/2006/relationships" xmlns:p="http://schemas.openxmlformats.org/presentationml/2006/main">
+  <p:cSld>
+    <p:spTree>
+      <p:nvGrpSpPr>
+        <p:cNvPr id="1" name=""/>
+        <p:cNvGrpSpPr/>
+        <p:nvPr/>
+      </p:nvGrpSpPr>
+      <p:grpSpPr>
+        <a:xfrm>
+          <a:off x="0" y="0"/>
+          <a:ext cx="0" cy="0"/>
+          <a:chOff x="0" y="0"/>
+          <a:chExt cx="0" cy="0"/>
+        </a:xfrm>
+      </p:grpSpPr>
+      <p:sp>
+        <p:nvSpPr>
+          <p:cNvPr id="7" name="文本框 6"/>
+          <p:cNvSpPr txBox="1"/>
+          <p:nvPr/>
+        </p:nvSpPr>
+        <p:spPr>
+          <a:xfrm>
+            <a:off x="724535" y="1323340"/>
+            <a:ext cx="2247900" cy="410845"/>
+          </a:xfrm>
+          <a:prstGeom prst="rect">
+            <a:avLst/>
+          </a:prstGeom>
+          <a:noFill/>
+        </p:spPr>
+        <p:txBody>
+          <a:bodyPr wrap="square">
+            <a:noAutofit/>
+          </a:bodyPr>
+          <a:lstStyle/>
+          <a:p>
+            <a:pPr algn="l" fontAlgn="auto">
+              <a:lnSpc>
+                <a:spcPts val="2200"/>
+              </a:lnSpc>
+              <a:buClrTx/>
+              <a:buSzTx/>
+              <a:buNone/>
+            </a:pPr>
+            <a:endParaRPr lang="zh-CN" altLang="en-US" sz="1600" dirty="0">
+              <a:latin typeface="微软雅黑" panose="020B0503020204020204" charset="-122"/>
+              <a:ea typeface="微软雅黑" panose="020B0503020204020204" charset="-122"/>
+            </a:endParaRPr>
+          </a:p>
+        </p:txBody>
+      </p:sp>
+      <p:sp>
+        <p:nvSpPr>
+          <p:cNvPr id="3" name="矩形 2"/>
+          <p:cNvSpPr/>
+          <p:nvPr>
+            <p:custDataLst>
+              <p:tags r:id="rId1"/>
+            </p:custDataLst>
+          </p:nvPr>
+        </p:nvSpPr>
+        <p:spPr>
+          <a:xfrm>
+            <a:off x="-6350" y="0"/>
+            <a:ext cx="12198350" cy="540000"/>
+          </a:xfrm>
+          <a:prstGeom prst="rect">
+            <a:avLst/>
+          </a:prstGeom>
+          <a:solidFill>
+            <a:srgbClr val="A099CB"/>
+          </a:solidFill>
+          <a:ln>
+            <a:noFill/>
+          </a:ln>
+        </p:spPr>
+        <p:style>
+          <a:lnRef idx="2">
+            <a:schemeClr val="accent1">
+              <a:shade val="50000"/>
+            </a:schemeClr>
+          </a:lnRef>
+          <a:fillRef idx="1">
+            <a:schemeClr val="accent1"/>
+          </a:fillRef>
+          <a:effectRef idx="0">
+            <a:schemeClr val="accent1"/>
+          </a:effectRef>
+          <a:fontRef idx="minor">
+            <a:schemeClr val="lt1"/>
+          </a:fontRef>
+        </p:style>
+        <p:txBody>
+          <a:bodyPr rtlCol="0" anchor="ctr"/>
+          <a:p>
+            <a:pPr marL="0" marR="0" lvl="0" indent="0" algn="ctr" defTabSz="914400" rtl="0" eaLnBrk="1" fontAlgn="auto" latinLnBrk="0" hangingPunct="1">
+              <a:lnSpc>
+                <a:spcPct val="100000"/>
+              </a:lnSpc>
+              <a:spcBef>
+                <a:spcPts val="0"/>
+              </a:spcBef>
+              <a:spcAft>
+                <a:spcPts val="0"/>
+              </a:spcAft>
+              <a:buClrTx/>
+              <a:buSzTx/>
+              <a:buFontTx/>
+              <a:buNone/>
+              <a:defRPr/>
+            </a:pPr>
+            <a:r>
               <a:rPr lang="en-US" altLang="zh-CN" dirty="0">
                 <a:effectLst/>
                 <a:latin typeface="微软雅黑" panose="020B0503020204020204" charset="-122"/>
@@ -4173,7 +6746,7 @@
         <p:spPr>
           <a:xfrm>
             <a:off x="979170" y="1513840"/>
-            <a:ext cx="6330315" cy="5110480"/>
+            <a:ext cx="7068085" cy="5110480"/>
           </a:xfrm>
           <a:prstGeom prst="rect">
             <a:avLst/>
@@ -4376,17 +6949,78 @@
                 <a:latin typeface="微软雅黑" panose="020B0503020204020204" charset="-122"/>
                 <a:ea typeface="微软雅黑" panose="020B0503020204020204" charset="-122"/>
               </a:rPr>
-              <a:t>及其变体的</a:t>
-            </a:r>
-            <a:endParaRPr lang="zh-CN" altLang="en-US" sz="1600" dirty="0">
-              <a:solidFill>
-                <a:schemeClr val="tx1"/>
-              </a:solidFill>
-              <a:latin typeface="微软雅黑" panose="020B0503020204020204" charset="-122"/>
-              <a:ea typeface="微软雅黑" panose="020B0503020204020204" charset="-122"/>
-            </a:endParaRPr>
-          </a:p>
-          <a:p>
+              <a:t>及其变体</a:t>
+            </a:r>
+            <a:r>
+              <a:rPr lang="en-US" altLang="zh-CN" sz="1600" dirty="0">
+                <a:solidFill>
+                  <a:schemeClr val="tx1"/>
+                </a:solidFill>
+                <a:latin typeface="微软雅黑" panose="020B0503020204020204" charset="-122"/>
+                <a:ea typeface="微软雅黑" panose="020B0503020204020204" charset="-122"/>
+              </a:rPr>
+              <a:t>,</a:t>
+            </a:r>
+            <a:r>
+              <a:rPr lang="zh-CN" altLang="en-US" sz="1600" dirty="0">
+                <a:solidFill>
+                  <a:schemeClr val="tx1"/>
+                </a:solidFill>
+                <a:latin typeface="微软雅黑" panose="020B0503020204020204" charset="-122"/>
+                <a:ea typeface="微软雅黑" panose="020B0503020204020204" charset="-122"/>
+              </a:rPr>
+              <a:t>比如</a:t>
+            </a:r>
+            <a:r>
+              <a:rPr lang="en-US" altLang="zh-CN" sz="1600" dirty="0">
+                <a:solidFill>
+                  <a:schemeClr val="tx1"/>
+                </a:solidFill>
+                <a:latin typeface="微软雅黑" panose="020B0503020204020204" charset="-122"/>
+                <a:ea typeface="微软雅黑" panose="020B0503020204020204" charset="-122"/>
+              </a:rPr>
+              <a:t>RNN</a:t>
+            </a:r>
+            <a:r>
+              <a:rPr lang="zh-CN" altLang="en-US" sz="1600" dirty="0">
+                <a:solidFill>
+                  <a:schemeClr val="tx1"/>
+                </a:solidFill>
+                <a:latin typeface="微软雅黑" panose="020B0503020204020204" charset="-122"/>
+                <a:ea typeface="微软雅黑" panose="020B0503020204020204" charset="-122"/>
+              </a:rPr>
+              <a:t>-</a:t>
+            </a:r>
+            <a:r>
+              <a:rPr lang="en-US" altLang="zh-CN" sz="1600" dirty="0">
+                <a:solidFill>
+                  <a:schemeClr val="tx1"/>
+                </a:solidFill>
+                <a:latin typeface="微软雅黑" panose="020B0503020204020204" charset="-122"/>
+                <a:ea typeface="微软雅黑" panose="020B0503020204020204" charset="-122"/>
+              </a:rPr>
+              <a:t>&gt;Transformer(</a:t>
+            </a:r>
+            <a:r>
+              <a:rPr lang="zh-CN" altLang="en-US" sz="1600" dirty="0">
+                <a:solidFill>
+                  <a:schemeClr val="tx1"/>
+                </a:solidFill>
+                <a:latin typeface="微软雅黑" panose="020B0503020204020204" charset="-122"/>
+                <a:ea typeface="微软雅黑" panose="020B0503020204020204" charset="-122"/>
+              </a:rPr>
+              <a:t>右图</a:t>
+            </a:r>
+            <a:r>
+              <a:rPr lang="en-US" altLang="zh-CN" sz="1600" dirty="0">
+                <a:solidFill>
+                  <a:schemeClr val="tx1"/>
+                </a:solidFill>
+                <a:latin typeface="微软雅黑" panose="020B0503020204020204" charset="-122"/>
+                <a:ea typeface="微软雅黑" panose="020B0503020204020204" charset="-122"/>
+              </a:rPr>
+              <a:t>)</a:t>
+            </a:r>
             <a:endParaRPr lang="zh-CN" altLang="en-US" sz="1600" dirty="0">
               <a:solidFill>
                 <a:schemeClr val="tx1"/>
@@ -4625,6 +7259,30 @@
           </a:p>
         </p:txBody>
       </p:sp>
+      <p:pic>
+        <p:nvPicPr>
+          <p:cNvPr id="5" name="图片 4" descr="upload_post_object_v2_2188386250"/>
+          <p:cNvPicPr>
+            <a:picLocks noChangeAspect="1"/>
+          </p:cNvPicPr>
+          <p:nvPr/>
+        </p:nvPicPr>
+        <p:blipFill>
+          <a:blip r:embed="rId4"/>
+          <a:stretch>
+            <a:fillRect/>
+          </a:stretch>
+        </p:blipFill>
+        <p:spPr>
+          <a:xfrm>
+            <a:off x="7841106" y="2575206"/>
+            <a:ext cx="3969968" cy="2283049"/>
+          </a:xfrm>
+          <a:prstGeom prst="rect">
+            <a:avLst/>
+          </a:prstGeom>
+        </p:spPr>
+      </p:pic>
     </p:spTree>
   </p:cSld>
   <p:clrMapOvr>
@@ -4633,7 +7291,7 @@
 </p:sld>
 </file>
 
-<file path=ppt/slides/slide11.xml><?xml version="1.0" encoding="utf-8"?>
+<file path=ppt/slides/slide14.xml><?xml version="1.0" encoding="utf-8"?>
 <p:sld xmlns:a="http://schemas.openxmlformats.org/drawingml/2006/main" xmlns:r="http://schemas.openxmlformats.org/officeDocument/2006/relationships" xmlns:p="http://schemas.openxmlformats.org/presentationml/2006/main">
   <p:cSld>
     <p:spTree>
@@ -6165,6 +8823,56 @@
           <a:p>
             <a:pPr indent="457200"/>
             <a:r>
+              <a:rPr lang="en-US" altLang="zh-CN" sz="1600" dirty="0">
+                <a:solidFill>
+                  <a:schemeClr val="tx1"/>
+                </a:solidFill>
+                <a:latin typeface="微软雅黑" panose="020B0503020204020204" charset="-122"/>
+                <a:ea typeface="微软雅黑" panose="020B0503020204020204" charset="-122"/>
+              </a:rPr>
+              <a:t>[3]Mao, J., Shi, S., Wang, X., &amp; Li, H. (2022). 3D Object Detection for Autonomous Driving: A Review and New </a:t>
+            </a:r>
+            <a:endParaRPr lang="en-US" altLang="zh-CN" sz="1600" dirty="0">
+              <a:solidFill>
+                <a:schemeClr val="tx1"/>
+              </a:solidFill>
+              <a:latin typeface="微软雅黑" panose="020B0503020204020204" charset="-122"/>
+              <a:ea typeface="微软雅黑" panose="020B0503020204020204" charset="-122"/>
+            </a:endParaRPr>
+          </a:p>
+          <a:p>
+            <a:pPr indent="457200"/>
+            <a:r>
+              <a:rPr lang="en-US" altLang="zh-CN" sz="1600" dirty="0">
+                <a:solidFill>
+                  <a:schemeClr val="tx1"/>
+                </a:solidFill>
+                <a:latin typeface="微软雅黑" panose="020B0503020204020204" charset="-122"/>
+                <a:ea typeface="微软雅黑" panose="020B0503020204020204" charset="-122"/>
+              </a:rPr>
+              <a:t>    </a:t>
+            </a:r>
+            <a:r>
+              <a:rPr lang="en-US" altLang="zh-CN" sz="1600" dirty="0">
+                <a:solidFill>
+                  <a:schemeClr val="tx1"/>
+                </a:solidFill>
+                <a:latin typeface="微软雅黑" panose="020B0503020204020204" charset="-122"/>
+                <a:ea typeface="微软雅黑" panose="020B0503020204020204" charset="-122"/>
+              </a:rPr>
+              <a:t>Outlooks.ArXiv, abs/2206.09474</a:t>
+            </a:r>
+            <a:endParaRPr lang="en-US" sz="1600" dirty="0">
+              <a:solidFill>
+                <a:schemeClr val="tx1"/>
+              </a:solidFill>
+              <a:latin typeface="微软雅黑" panose="020B0503020204020204" charset="-122"/>
+              <a:ea typeface="微软雅黑" panose="020B0503020204020204" charset="-122"/>
+            </a:endParaRPr>
+          </a:p>
+          <a:p>
+            <a:pPr indent="457200"/>
+            <a:r>
               <a:rPr lang="en-US" sz="1600" dirty="0">
                 <a:solidFill>
                   <a:schemeClr val="tx1"/>
@@ -6172,7 +8880,27 @@
                 <a:latin typeface="微软雅黑" panose="020B0503020204020204" charset="-122"/>
                 <a:ea typeface="微软雅黑" panose="020B0503020204020204" charset="-122"/>
               </a:rPr>
-              <a:t>[3]</a:t>
+              <a:t>[</a:t>
+            </a:r>
+            <a:r>
+              <a:rPr lang="en-US" altLang="zh-CN" sz="1600" dirty="0">
+                <a:solidFill>
+                  <a:schemeClr val="tx1"/>
+                </a:solidFill>
+                <a:latin typeface="微软雅黑" panose="020B0503020204020204" charset="-122"/>
+                <a:ea typeface="微软雅黑" panose="020B0503020204020204" charset="-122"/>
+              </a:rPr>
+              <a:t>4</a:t>
+            </a:r>
+            <a:r>
+              <a:rPr lang="en-US" sz="1600" dirty="0">
+                <a:solidFill>
+                  <a:schemeClr val="tx1"/>
+                </a:solidFill>
+                <a:latin typeface="微软雅黑" panose="020B0503020204020204" charset="-122"/>
+                <a:ea typeface="微软雅黑" panose="020B0503020204020204" charset="-122"/>
+              </a:rPr>
+              <a:t>]</a:t>
             </a:r>
             <a:r>
               <a:rPr sz="1600" dirty="0">
@@ -6202,7 +8930,27 @@
                 <a:latin typeface="微软雅黑" panose="020B0503020204020204" charset="-122"/>
                 <a:ea typeface="微软雅黑" panose="020B0503020204020204" charset="-122"/>
               </a:rPr>
-              <a:t>[4]Xiao A, Zhang X, Shao L, et al. A survey of label-efficient deep learning for 3D point clouds[J]. IEEE Transactions    </a:t>
+              <a:t>[</a:t>
+            </a:r>
+            <a:r>
+              <a:rPr lang="en-US" altLang="zh-CN" sz="1600" dirty="0">
+                <a:solidFill>
+                  <a:schemeClr val="tx1"/>
+                </a:solidFill>
+                <a:latin typeface="微软雅黑" panose="020B0503020204020204" charset="-122"/>
+                <a:ea typeface="微软雅黑" panose="020B0503020204020204" charset="-122"/>
+              </a:rPr>
+              <a:t>5</a:t>
+            </a:r>
+            <a:r>
+              <a:rPr lang="en-US" sz="1600" dirty="0">
+                <a:solidFill>
+                  <a:schemeClr val="tx1"/>
+                </a:solidFill>
+                <a:latin typeface="微软雅黑" panose="020B0503020204020204" charset="-122"/>
+                <a:ea typeface="微软雅黑" panose="020B0503020204020204" charset="-122"/>
+              </a:rPr>
+              <a:t>]Xiao A, Zhang X, Shao L, et al. A survey of label-efficient deep learning for 3D point clouds[J]. IEEE Transactions    </a:t>
             </a:r>
             <a:endParaRPr lang="en-US" sz="1600" dirty="0">
               <a:solidFill>
@@ -6501,7 +9249,21 @@
                 <a:latin typeface="微软雅黑" panose="020B0503020204020204" charset="-122"/>
                 <a:ea typeface="微软雅黑" panose="020B0503020204020204" charset="-122"/>
               </a:rPr>
-              <a:t>点云：</a:t>
+              <a:t>点云</a:t>
+            </a:r>
+            <a:r>
+              <a:rPr lang="en-US" altLang="zh-CN" b="1" dirty="0">
+                <a:latin typeface="微软雅黑" panose="020B0503020204020204" charset="-122"/>
+                <a:ea typeface="微软雅黑" panose="020B0503020204020204" charset="-122"/>
+              </a:rPr>
+              <a:t>/</a:t>
+            </a:r>
+            <a:r>
+              <a:rPr lang="zh-CN" altLang="en-US" b="1" dirty="0">
+                <a:latin typeface="微软雅黑" panose="020B0503020204020204" charset="-122"/>
+                <a:ea typeface="微软雅黑" panose="020B0503020204020204" charset="-122"/>
+              </a:rPr>
+              <a:t>点+体素：</a:t>
             </a:r>
             <a:endParaRPr lang="zh-CN" altLang="en-US" b="1" dirty="0">
               <a:latin typeface="微软雅黑" panose="020B0503020204020204" charset="-122"/>
@@ -6522,7 +9284,7 @@
         </p:nvSpPr>
         <p:spPr>
           <a:xfrm>
-            <a:off x="464820" y="3999865"/>
+            <a:off x="455295" y="4171610"/>
             <a:ext cx="6574155" cy="506730"/>
           </a:xfrm>
           <a:prstGeom prst="rect">
@@ -6547,14 +9309,14 @@
                 <a:latin typeface="微软雅黑" panose="020B0503020204020204" charset="-122"/>
                 <a:ea typeface="微软雅黑" panose="020B0503020204020204" charset="-122"/>
               </a:rPr>
-              <a:t>2d based method (transformer)</a:t>
+              <a:t>2d based method  (transformer) 2d</a:t>
             </a:r>
             <a:r>
               <a:rPr lang="zh-CN" altLang="en-US" b="1" dirty="0">
                 <a:latin typeface="微软雅黑" panose="020B0503020204020204" charset="-122"/>
                 <a:ea typeface="微软雅黑" panose="020B0503020204020204" charset="-122"/>
               </a:rPr>
-              <a:t>：</a:t>
+              <a:t>方法的迁移：</a:t>
             </a:r>
             <a:endParaRPr lang="zh-CN" altLang="en-US" b="1" dirty="0">
               <a:latin typeface="微软雅黑" panose="020B0503020204020204" charset="-122"/>
@@ -6563,6 +9325,520 @@
           </a:p>
         </p:txBody>
       </p:sp>
+      <p:sp>
+        <p:nvSpPr>
+          <p:cNvPr id="4" name="文本框 3"/>
+          <p:cNvSpPr txBox="1"/>
+          <p:nvPr/>
+        </p:nvSpPr>
+        <p:spPr>
+          <a:xfrm>
+            <a:off x="232982" y="4563999"/>
+            <a:ext cx="11042880" cy="2455805"/>
+          </a:xfrm>
+          <a:prstGeom prst="rect">
+            <a:avLst/>
+          </a:prstGeom>
+          <a:noFill/>
+        </p:spPr>
+        <p:txBody>
+          <a:bodyPr wrap="square" rtlCol="0" anchor="t">
+            <a:noAutofit/>
+          </a:bodyPr>
+          <a:p>
+            <a:pPr marL="0" indent="457200" algn="l" defTabSz="0" rtl="0" eaLnBrk="1" latinLnBrk="0" hangingPunct="1">
+              <a:spcBef>
+                <a:spcPct val="0"/>
+              </a:spcBef>
+              <a:spcAft>
+                <a:spcPct val="0"/>
+              </a:spcAft>
+              <a:buNone/>
+            </a:pPr>
+            <a:r>
+              <a:rPr lang="en-US" sz="1600" dirty="0">
+                <a:solidFill>
+                  <a:schemeClr val="tx1"/>
+                </a:solidFill>
+                <a:latin typeface="微软雅黑" panose="020B0503020204020204" charset="-122"/>
+                <a:ea typeface="微软雅黑" panose="020B0503020204020204" charset="-122"/>
+              </a:rPr>
+              <a:t>Misra I, Girdhar R, Joulin A. An end-to-end transformer model for 3d object detection[C]//Proceedings of the IEEE/CVF international conference on computer vision. 2021</a:t>
+            </a:r>
+            <a:endParaRPr lang="en-US" sz="1600" dirty="0">
+              <a:solidFill>
+                <a:schemeClr val="tx1"/>
+              </a:solidFill>
+              <a:latin typeface="微软雅黑" panose="020B0503020204020204" charset="-122"/>
+              <a:ea typeface="微软雅黑" panose="020B0503020204020204" charset="-122"/>
+            </a:endParaRPr>
+          </a:p>
+          <a:p>
+            <a:pPr marL="0" indent="457200" algn="l" defTabSz="0" rtl="0" eaLnBrk="1" latinLnBrk="0" hangingPunct="1">
+              <a:spcBef>
+                <a:spcPct val="0"/>
+              </a:spcBef>
+              <a:spcAft>
+                <a:spcPct val="0"/>
+              </a:spcAft>
+              <a:buNone/>
+            </a:pPr>
+            <a:endParaRPr lang="en-US" sz="1600" dirty="0">
+              <a:solidFill>
+                <a:schemeClr val="tx1"/>
+              </a:solidFill>
+              <a:latin typeface="微软雅黑" panose="020B0503020204020204" charset="-122"/>
+              <a:ea typeface="微软雅黑" panose="020B0503020204020204" charset="-122"/>
+            </a:endParaRPr>
+          </a:p>
+          <a:p>
+            <a:pPr marL="0" indent="457200" algn="l" defTabSz="0" rtl="0" eaLnBrk="1" latinLnBrk="0" hangingPunct="1">
+              <a:spcBef>
+                <a:spcPct val="0"/>
+              </a:spcBef>
+              <a:spcAft>
+                <a:spcPct val="0"/>
+              </a:spcAft>
+              <a:buNone/>
+            </a:pPr>
+            <a:r>
+              <a:rPr lang="zh-CN" altLang="en-US" sz="1600" dirty="0">
+                <a:solidFill>
+                  <a:schemeClr val="tx1"/>
+                </a:solidFill>
+                <a:latin typeface="微软雅黑" panose="020B0503020204020204" charset="-122"/>
+                <a:ea typeface="微软雅黑" panose="020B0503020204020204" charset="-122"/>
+              </a:rPr>
+              <a:t>	做一些从</a:t>
+            </a:r>
+            <a:r>
+              <a:rPr lang="en-US" altLang="zh-CN" sz="1600" dirty="0">
+                <a:solidFill>
+                  <a:schemeClr val="tx1"/>
+                </a:solidFill>
+                <a:latin typeface="微软雅黑" panose="020B0503020204020204" charset="-122"/>
+                <a:ea typeface="微软雅黑" panose="020B0503020204020204" charset="-122"/>
+              </a:rPr>
+              <a:t>2d detection</a:t>
+            </a:r>
+            <a:r>
+              <a:rPr lang="zh-CN" altLang="en-US" sz="1600" dirty="0">
+                <a:solidFill>
+                  <a:schemeClr val="tx1"/>
+                </a:solidFill>
+                <a:latin typeface="微软雅黑" panose="020B0503020204020204" charset="-122"/>
+                <a:ea typeface="微软雅黑" panose="020B0503020204020204" charset="-122"/>
+              </a:rPr>
+              <a:t>迁移来的想法做</a:t>
+            </a:r>
+            <a:r>
+              <a:rPr lang="en-US" altLang="zh-CN" sz="1600" dirty="0">
+                <a:solidFill>
+                  <a:schemeClr val="tx1"/>
+                </a:solidFill>
+                <a:latin typeface="微软雅黑" panose="020B0503020204020204" charset="-122"/>
+                <a:ea typeface="微软雅黑" panose="020B0503020204020204" charset="-122"/>
+              </a:rPr>
+              <a:t>3d detection</a:t>
+            </a:r>
+            <a:r>
+              <a:rPr lang="zh-CN" altLang="en-US" sz="1600" dirty="0">
+                <a:solidFill>
+                  <a:schemeClr val="tx1"/>
+                </a:solidFill>
+                <a:latin typeface="微软雅黑" panose="020B0503020204020204" charset="-122"/>
+                <a:ea typeface="微软雅黑" panose="020B0503020204020204" charset="-122"/>
+              </a:rPr>
+              <a:t>，比如</a:t>
+            </a:r>
+            <a:r>
+              <a:rPr lang="en-US" altLang="zh-CN" sz="1600" dirty="0">
+                <a:solidFill>
+                  <a:schemeClr val="tx1"/>
+                </a:solidFill>
+                <a:latin typeface="微软雅黑" panose="020B0503020204020204" charset="-122"/>
+                <a:ea typeface="微软雅黑" panose="020B0503020204020204" charset="-122"/>
+              </a:rPr>
+              <a:t>Transformer detr</a:t>
+            </a:r>
+            <a:r>
+              <a:rPr lang="zh-CN" altLang="en-US" sz="1600" dirty="0">
+                <a:solidFill>
+                  <a:schemeClr val="tx1"/>
+                </a:solidFill>
+                <a:latin typeface="微软雅黑" panose="020B0503020204020204" charset="-122"/>
+                <a:ea typeface="微软雅黑" panose="020B0503020204020204" charset="-122"/>
+              </a:rPr>
+              <a:t>之类的，老师之前也推荐过一篇</a:t>
+            </a:r>
+            <a:r>
+              <a:rPr lang="en-US" altLang="zh-CN" sz="1600" dirty="0">
+                <a:solidFill>
+                  <a:schemeClr val="tx1"/>
+                </a:solidFill>
+                <a:latin typeface="微软雅黑" panose="020B0503020204020204" charset="-122"/>
+                <a:ea typeface="微软雅黑" panose="020B0503020204020204" charset="-122"/>
+              </a:rPr>
+              <a:t>detr</a:t>
+            </a:r>
+            <a:r>
+              <a:rPr lang="zh-CN" altLang="en-US" sz="1600" dirty="0">
+                <a:solidFill>
+                  <a:schemeClr val="tx1"/>
+                </a:solidFill>
+                <a:latin typeface="微软雅黑" panose="020B0503020204020204" charset="-122"/>
+                <a:ea typeface="微软雅黑" panose="020B0503020204020204" charset="-122"/>
+              </a:rPr>
+              <a:t>改	的</a:t>
+            </a:r>
+            <a:r>
+              <a:rPr lang="en-US" altLang="zh-CN" sz="1600" dirty="0">
+                <a:solidFill>
+                  <a:schemeClr val="tx1"/>
+                </a:solidFill>
+                <a:latin typeface="微软雅黑" panose="020B0503020204020204" charset="-122"/>
+                <a:ea typeface="微软雅黑" panose="020B0503020204020204" charset="-122"/>
+              </a:rPr>
+              <a:t>3d detection</a:t>
+            </a:r>
+            <a:r>
+              <a:rPr lang="zh-CN" altLang="en-US" sz="1600" dirty="0">
+                <a:solidFill>
+                  <a:schemeClr val="tx1"/>
+                </a:solidFill>
+                <a:latin typeface="微软雅黑" panose="020B0503020204020204" charset="-122"/>
+                <a:ea typeface="微软雅黑" panose="020B0503020204020204" charset="-122"/>
+              </a:rPr>
+              <a:t>，我想的就是能不能在基于</a:t>
+            </a:r>
+            <a:r>
+              <a:rPr lang="en-US" altLang="zh-CN" sz="1600" dirty="0">
+                <a:solidFill>
+                  <a:schemeClr val="tx1"/>
+                </a:solidFill>
+                <a:latin typeface="微软雅黑" panose="020B0503020204020204" charset="-122"/>
+                <a:ea typeface="微软雅黑" panose="020B0503020204020204" charset="-122"/>
+              </a:rPr>
+              <a:t>Transformer</a:t>
+            </a:r>
+            <a:r>
+              <a:rPr lang="zh-CN" altLang="en-US" sz="1600" dirty="0">
+                <a:solidFill>
+                  <a:schemeClr val="tx1"/>
+                </a:solidFill>
+                <a:latin typeface="微软雅黑" panose="020B0503020204020204" charset="-122"/>
+                <a:ea typeface="微软雅黑" panose="020B0503020204020204" charset="-122"/>
+              </a:rPr>
+              <a:t>的变体或者</a:t>
+            </a:r>
+            <a:r>
+              <a:rPr lang="en-US" altLang="zh-CN" sz="1600" dirty="0">
+                <a:solidFill>
+                  <a:schemeClr val="tx1"/>
+                </a:solidFill>
+                <a:latin typeface="微软雅黑" panose="020B0503020204020204" charset="-122"/>
+                <a:ea typeface="微软雅黑" panose="020B0503020204020204" charset="-122"/>
+              </a:rPr>
+              <a:t>yolo</a:t>
+            </a:r>
+            <a:r>
+              <a:rPr lang="zh-CN" altLang="en-US" sz="1600" dirty="0">
+                <a:solidFill>
+                  <a:schemeClr val="tx1"/>
+                </a:solidFill>
+                <a:latin typeface="微软雅黑" panose="020B0503020204020204" charset="-122"/>
+                <a:ea typeface="微软雅黑" panose="020B0503020204020204" charset="-122"/>
+              </a:rPr>
+              <a:t>迁移到</a:t>
+            </a:r>
+            <a:r>
+              <a:rPr lang="en-US" altLang="zh-CN" sz="1600" dirty="0">
+                <a:solidFill>
+                  <a:schemeClr val="tx1"/>
+                </a:solidFill>
+                <a:latin typeface="微软雅黑" panose="020B0503020204020204" charset="-122"/>
+                <a:ea typeface="微软雅黑" panose="020B0503020204020204" charset="-122"/>
+              </a:rPr>
+              <a:t>3d detection</a:t>
+            </a:r>
+            <a:r>
+              <a:rPr lang="zh-CN" altLang="en-US" sz="1600" dirty="0">
+                <a:solidFill>
+                  <a:schemeClr val="tx1"/>
+                </a:solidFill>
+                <a:latin typeface="微软雅黑" panose="020B0503020204020204" charset="-122"/>
+                <a:ea typeface="微软雅黑" panose="020B0503020204020204" charset="-122"/>
+              </a:rPr>
+              <a:t>方面上做文章。比如老师之前推荐的那一篇文章下文的</a:t>
+            </a:r>
+            <a:r>
+              <a:rPr lang="en-US" altLang="zh-CN" sz="1600" dirty="0">
+                <a:solidFill>
+                  <a:schemeClr val="tx1"/>
+                </a:solidFill>
+                <a:latin typeface="微软雅黑" panose="020B0503020204020204" charset="-122"/>
+                <a:ea typeface="微软雅黑" panose="020B0503020204020204" charset="-122"/>
+              </a:rPr>
+              <a:t>complex</a:t>
+            </a:r>
+            <a:r>
+              <a:rPr lang="zh-CN" altLang="en-US" sz="1600" dirty="0">
+                <a:solidFill>
+                  <a:schemeClr val="tx1"/>
+                </a:solidFill>
+                <a:latin typeface="微软雅黑" panose="020B0503020204020204" charset="-122"/>
+                <a:ea typeface="微软雅黑" panose="020B0503020204020204" charset="-122"/>
+              </a:rPr>
+              <a:t>-</a:t>
+            </a:r>
+            <a:r>
+              <a:rPr lang="en-US" altLang="zh-CN" sz="1600" dirty="0">
+                <a:solidFill>
+                  <a:schemeClr val="tx1"/>
+                </a:solidFill>
+                <a:latin typeface="微软雅黑" panose="020B0503020204020204" charset="-122"/>
+                <a:ea typeface="微软雅黑" panose="020B0503020204020204" charset="-122"/>
+              </a:rPr>
+              <a:t>yolo</a:t>
+            </a:r>
+            <a:r>
+              <a:rPr lang="zh-CN" altLang="en-US" sz="1600" dirty="0">
+                <a:solidFill>
+                  <a:schemeClr val="tx1"/>
+                </a:solidFill>
+                <a:latin typeface="微软雅黑" panose="020B0503020204020204" charset="-122"/>
+                <a:ea typeface="微软雅黑" panose="020B0503020204020204" charset="-122"/>
+              </a:rPr>
+              <a:t>：</a:t>
+            </a:r>
+            <a:endParaRPr lang="zh-CN" altLang="en-US" sz="1600" dirty="0">
+              <a:solidFill>
+                <a:schemeClr val="tx1"/>
+              </a:solidFill>
+              <a:latin typeface="微软雅黑" panose="020B0503020204020204" charset="-122"/>
+              <a:ea typeface="微软雅黑" panose="020B0503020204020204" charset="-122"/>
+            </a:endParaRPr>
+          </a:p>
+          <a:p>
+            <a:pPr marL="0" indent="457200" algn="l" defTabSz="0" rtl="0" eaLnBrk="1" latinLnBrk="0" hangingPunct="1">
+              <a:spcBef>
+                <a:spcPct val="0"/>
+              </a:spcBef>
+              <a:spcAft>
+                <a:spcPct val="0"/>
+              </a:spcAft>
+              <a:buNone/>
+            </a:pPr>
+            <a:endParaRPr lang="en-US" sz="1600" dirty="0">
+              <a:solidFill>
+                <a:schemeClr val="tx1"/>
+              </a:solidFill>
+              <a:latin typeface="微软雅黑" panose="020B0503020204020204" charset="-122"/>
+              <a:ea typeface="微软雅黑" panose="020B0503020204020204" charset="-122"/>
+            </a:endParaRPr>
+          </a:p>
+          <a:p>
+            <a:pPr marL="0" indent="457200" algn="l" defTabSz="0" rtl="0" eaLnBrk="1" latinLnBrk="0" hangingPunct="1">
+              <a:spcBef>
+                <a:spcPct val="0"/>
+              </a:spcBef>
+              <a:spcAft>
+                <a:spcPct val="0"/>
+              </a:spcAft>
+              <a:buNone/>
+            </a:pPr>
+            <a:r>
+              <a:rPr lang="zh-CN" altLang="en-US" sz="1600" dirty="0">
+                <a:solidFill>
+                  <a:schemeClr val="tx1"/>
+                </a:solidFill>
+                <a:latin typeface="微软雅黑" panose="020B0503020204020204" charset="-122"/>
+                <a:ea typeface="微软雅黑" panose="020B0503020204020204" charset="-122"/>
+              </a:rPr>
+              <a:t>imon M, Amende K, Kraus A, et al. Complexer-yolo: Real-time 3d object detection and tracking on semantic point clouds[C]//Proceedings of the IEEE/CVF</a:t>
+            </a:r>
+            <a:endParaRPr lang="zh-CN" altLang="en-US" sz="1600" dirty="0">
+              <a:solidFill>
+                <a:schemeClr val="tx1"/>
+              </a:solidFill>
+              <a:latin typeface="微软雅黑" panose="020B0503020204020204" charset="-122"/>
+              <a:ea typeface="微软雅黑" panose="020B0503020204020204" charset="-122"/>
+            </a:endParaRPr>
+          </a:p>
+        </p:txBody>
+      </p:sp>
+      <p:sp>
+        <p:nvSpPr>
+          <p:cNvPr id="6" name="文本框 5"/>
+          <p:cNvSpPr txBox="1"/>
+          <p:nvPr/>
+        </p:nvSpPr>
+        <p:spPr>
+          <a:xfrm>
+            <a:off x="232980" y="1478841"/>
+            <a:ext cx="6796416" cy="829945"/>
+          </a:xfrm>
+          <a:prstGeom prst="rect">
+            <a:avLst/>
+          </a:prstGeom>
+          <a:noFill/>
+        </p:spPr>
+        <p:txBody>
+          <a:bodyPr wrap="square" rtlCol="0" anchor="t">
+            <a:noAutofit/>
+          </a:bodyPr>
+          <a:p>
+            <a:r>
+              <a:rPr lang="en-US" sz="1600" dirty="0">
+                <a:solidFill>
+                  <a:schemeClr val="tx1"/>
+                </a:solidFill>
+                <a:latin typeface="微软雅黑" panose="020B0503020204020204" charset="-122"/>
+                <a:ea typeface="微软雅黑" panose="020B0503020204020204" charset="-122"/>
+              </a:rPr>
+              <a:t>        Yuan J, Zhang B, Yan X, et al. Ad-pt: Autonomous driving pre-training with large-scale point cloud dataset[J]. Advances in Neural Information Processing Systems, 2024</a:t>
+            </a:r>
+            <a:endParaRPr lang="en-US" sz="1600" dirty="0">
+              <a:solidFill>
+                <a:schemeClr val="tx1"/>
+              </a:solidFill>
+              <a:latin typeface="微软雅黑" panose="020B0503020204020204" charset="-122"/>
+              <a:ea typeface="微软雅黑" panose="020B0503020204020204" charset="-122"/>
+            </a:endParaRPr>
+          </a:p>
+          <a:p>
+            <a:endParaRPr lang="en-US" sz="1600" dirty="0">
+              <a:solidFill>
+                <a:schemeClr val="tx1"/>
+              </a:solidFill>
+              <a:latin typeface="微软雅黑" panose="020B0503020204020204" charset="-122"/>
+              <a:ea typeface="微软雅黑" panose="020B0503020204020204" charset="-122"/>
+            </a:endParaRPr>
+          </a:p>
+          <a:p>
+            <a:r>
+              <a:rPr lang="en-US" sz="1600" dirty="0">
+                <a:solidFill>
+                  <a:schemeClr val="tx1"/>
+                </a:solidFill>
+                <a:latin typeface="微软雅黑" panose="020B0503020204020204" charset="-122"/>
+                <a:ea typeface="微软雅黑" panose="020B0503020204020204" charset="-122"/>
+              </a:rPr>
+              <a:t>        </a:t>
+            </a:r>
+            <a:r>
+              <a:rPr lang="zh-CN" altLang="en-US" sz="1600" dirty="0">
+                <a:solidFill>
+                  <a:schemeClr val="tx1"/>
+                </a:solidFill>
+                <a:latin typeface="微软雅黑" panose="020B0503020204020204" charset="-122"/>
+                <a:ea typeface="微软雅黑" panose="020B0503020204020204" charset="-122"/>
+              </a:rPr>
+              <a:t>之前做过一次基于点云的数据分析小算法，然后看到了一篇点云的预训练论文，感觉点云方向的数据分析也是一个不错的方向，然后一些基于点+体素的</a:t>
+            </a:r>
+            <a:r>
+              <a:rPr lang="en-US" altLang="zh-CN" sz="1600" dirty="0">
+                <a:solidFill>
+                  <a:schemeClr val="tx1"/>
+                </a:solidFill>
+                <a:latin typeface="微软雅黑" panose="020B0503020204020204" charset="-122"/>
+                <a:ea typeface="微软雅黑" panose="020B0503020204020204" charset="-122"/>
+              </a:rPr>
+              <a:t>3d detection</a:t>
+            </a:r>
+            <a:r>
+              <a:rPr lang="zh-CN" altLang="en-US" sz="1600" dirty="0">
+                <a:solidFill>
+                  <a:schemeClr val="tx1"/>
+                </a:solidFill>
+                <a:latin typeface="微软雅黑" panose="020B0503020204020204" charset="-122"/>
+                <a:ea typeface="微软雅黑" panose="020B0503020204020204" charset="-122"/>
+              </a:rPr>
+              <a:t>能够利用到一些</a:t>
+            </a:r>
+            <a:r>
+              <a:rPr lang="en-US" altLang="zh-CN" sz="1600" dirty="0">
+                <a:solidFill>
+                  <a:schemeClr val="tx1"/>
+                </a:solidFill>
+                <a:latin typeface="微软雅黑" panose="020B0503020204020204" charset="-122"/>
+                <a:ea typeface="微软雅黑" panose="020B0503020204020204" charset="-122"/>
+              </a:rPr>
+              <a:t>box proposal</a:t>
+            </a:r>
+            <a:r>
+              <a:rPr lang="zh-CN" altLang="en-US" sz="1600" dirty="0">
+                <a:solidFill>
+                  <a:schemeClr val="tx1"/>
+                </a:solidFill>
+                <a:latin typeface="微软雅黑" panose="020B0503020204020204" charset="-122"/>
+                <a:ea typeface="微软雅黑" panose="020B0503020204020204" charset="-122"/>
+              </a:rPr>
+              <a:t>的方法，我想就是能不能够在这个</a:t>
+            </a:r>
+            <a:r>
+              <a:rPr lang="en-US" altLang="zh-CN" sz="1600" dirty="0">
+                <a:solidFill>
+                  <a:schemeClr val="tx1"/>
+                </a:solidFill>
+                <a:latin typeface="微软雅黑" panose="020B0503020204020204" charset="-122"/>
+                <a:ea typeface="微软雅黑" panose="020B0503020204020204" charset="-122"/>
+              </a:rPr>
+              <a:t>proposal</a:t>
+            </a:r>
+            <a:r>
+              <a:rPr lang="zh-CN" altLang="en-US" sz="1600" dirty="0">
+                <a:solidFill>
+                  <a:schemeClr val="tx1"/>
+                </a:solidFill>
+                <a:latin typeface="微软雅黑" panose="020B0503020204020204" charset="-122"/>
+                <a:ea typeface="微软雅黑" panose="020B0503020204020204" charset="-122"/>
+              </a:rPr>
+              <a:t>上做工作，在这两种元素的结合方式上做文章</a:t>
+            </a:r>
+            <a:endParaRPr lang="en-US" sz="1600" dirty="0">
+              <a:solidFill>
+                <a:schemeClr val="tx1"/>
+              </a:solidFill>
+              <a:latin typeface="微软雅黑" panose="020B0503020204020204" charset="-122"/>
+              <a:ea typeface="微软雅黑" panose="020B0503020204020204" charset="-122"/>
+            </a:endParaRPr>
+          </a:p>
+          <a:p>
+            <a:endParaRPr lang="en-US" sz="1600" dirty="0">
+              <a:solidFill>
+                <a:schemeClr val="tx1"/>
+              </a:solidFill>
+              <a:latin typeface="微软雅黑" panose="020B0503020204020204" charset="-122"/>
+              <a:ea typeface="微软雅黑" panose="020B0503020204020204" charset="-122"/>
+            </a:endParaRPr>
+          </a:p>
+        </p:txBody>
+      </p:sp>
+      <p:pic>
+        <p:nvPicPr>
+          <p:cNvPr id="8" name="图片 7" descr="upload_post_object_v2_3539425855"/>
+          <p:cNvPicPr>
+            <a:picLocks noChangeAspect="1"/>
+          </p:cNvPicPr>
+          <p:nvPr/>
+        </p:nvPicPr>
+        <p:blipFill>
+          <a:blip r:embed="rId4"/>
+          <a:stretch>
+            <a:fillRect/>
+          </a:stretch>
+        </p:blipFill>
+        <p:spPr>
+          <a:xfrm>
+            <a:off x="7149883" y="1150800"/>
+            <a:ext cx="4279769" cy="2618041"/>
+          </a:xfrm>
+          <a:prstGeom prst="rect">
+            <a:avLst/>
+          </a:prstGeom>
+        </p:spPr>
+      </p:pic>
     </p:spTree>
   </p:cSld>
   <p:clrMapOvr>
@@ -6619,7 +9895,7 @@
                 <a:latin typeface="微软雅黑" panose="020B0503020204020204" charset="-122"/>
                 <a:ea typeface="微软雅黑" panose="020B0503020204020204" charset="-122"/>
               </a:rPr>
-              <a:t>有了解但是没什么概念的方向</a:t>
+              <a:t>有了解但是没太多想法的方向</a:t>
             </a:r>
             <a:endParaRPr lang="zh-CN" altLang="en-US" sz="2000" b="1" dirty="0">
               <a:latin typeface="微软雅黑" panose="020B0503020204020204" charset="-122"/>
@@ -6787,6 +10063,471 @@
                 <a:latin typeface="微软雅黑" panose="020B0503020204020204" charset="-122"/>
                 <a:ea typeface="微软雅黑" panose="020B0503020204020204" charset="-122"/>
               </a:rPr>
+              <a:t>监督问题：</a:t>
+            </a:r>
+            <a:endParaRPr lang="zh-CN" altLang="en-US" b="1" dirty="0">
+              <a:latin typeface="微软雅黑" panose="020B0503020204020204" charset="-122"/>
+              <a:ea typeface="微软雅黑" panose="020B0503020204020204" charset="-122"/>
+            </a:endParaRPr>
+          </a:p>
+        </p:txBody>
+      </p:sp>
+      <p:sp>
+        <p:nvSpPr>
+          <p:cNvPr id="8" name="文本框 7"/>
+          <p:cNvSpPr txBox="1"/>
+          <p:nvPr/>
+        </p:nvSpPr>
+        <p:spPr>
+          <a:xfrm>
+            <a:off x="867410" y="1478598"/>
+            <a:ext cx="5779600" cy="582930"/>
+          </a:xfrm>
+          <a:prstGeom prst="rect">
+            <a:avLst/>
+          </a:prstGeom>
+        </p:spPr>
+        <p:txBody>
+          <a:bodyPr wrap="square">
+            <a:noAutofit/>
+          </a:bodyPr>
+          <a:p>
+            <a:pPr marL="0" indent="0"/>
+            <a:r>
+              <a:rPr lang="zh-CN" altLang="en-US" sz="1600" dirty="0">
+                <a:solidFill>
+                  <a:srgbClr val="4D4D4D"/>
+                </a:solidFill>
+                <a:latin typeface="-apple-system"/>
+                <a:ea typeface="-apple-system"/>
+              </a:rPr>
+              <a:t>之前了解到的方向大多数默认全监督，有些半监督，弱监督，自监督的模型也很重要</a:t>
+            </a:r>
+            <a:endParaRPr lang="zh-CN" altLang="en-US" sz="1600" dirty="0">
+              <a:solidFill>
+                <a:srgbClr val="4D4D4D"/>
+              </a:solidFill>
+              <a:latin typeface="-apple-system"/>
+              <a:ea typeface="-apple-system"/>
+            </a:endParaRPr>
+          </a:p>
+          <a:p>
+            <a:pPr marL="0" indent="0"/>
+            <a:endParaRPr lang="zh-CN" altLang="en-US" sz="1600" b="0" i="0">
+              <a:solidFill>
+                <a:srgbClr val="4D4D4D"/>
+              </a:solidFill>
+              <a:latin typeface="-apple-system"/>
+              <a:ea typeface="-apple-system"/>
+            </a:endParaRPr>
+          </a:p>
+          <a:p>
+            <a:pPr marL="0" indent="0"/>
+            <a:r>
+              <a:rPr lang="zh-CN" altLang="en-US" sz="1600" b="0" i="0" dirty="0">
+                <a:solidFill>
+                  <a:srgbClr val="4D4D4D"/>
+                </a:solidFill>
+                <a:latin typeface="-apple-system" charset="0"/>
+                <a:ea typeface="-apple-system" charset="0"/>
+              </a:rPr>
+              <a:t>我想的是能不能做一些这类方向的内容，不过我对半监督和弱监督自监督的理念不是很熟悉</a:t>
+            </a:r>
+            <a:endParaRPr lang="zh-CN" altLang="en-US" sz="1600" b="0" i="0">
+              <a:solidFill>
+                <a:srgbClr val="4D4D4D"/>
+              </a:solidFill>
+              <a:latin typeface="-apple-system"/>
+              <a:ea typeface="-apple-system"/>
+            </a:endParaRPr>
+          </a:p>
+        </p:txBody>
+      </p:sp>
+      <p:sp>
+        <p:nvSpPr>
+          <p:cNvPr id="9" name="文本框 8"/>
+          <p:cNvSpPr txBox="1"/>
+          <p:nvPr>
+            <p:custDataLst>
+              <p:tags r:id="rId3"/>
+            </p:custDataLst>
+          </p:nvPr>
+        </p:nvSpPr>
+        <p:spPr>
+          <a:xfrm>
+            <a:off x="455295" y="3175635"/>
+            <a:ext cx="6574155" cy="506730"/>
+          </a:xfrm>
+          <a:prstGeom prst="rect">
+            <a:avLst/>
+          </a:prstGeom>
+          <a:noFill/>
+        </p:spPr>
+        <p:txBody>
+          <a:bodyPr wrap="square" rtlCol="0">
+            <a:spAutoFit/>
+          </a:bodyPr>
+          <a:p>
+            <a:pPr marL="285750" indent="-285750">
+              <a:lnSpc>
+                <a:spcPct val="150000"/>
+              </a:lnSpc>
+              <a:buFont typeface="Wingdings" panose="05000000000000000000" charset="0"/>
+              <a:buChar char="p"/>
+            </a:pPr>
+            <a:r>
+              <a:rPr lang="zh-CN" altLang="en-US" b="1" dirty="0">
+                <a:latin typeface="微软雅黑" panose="020B0503020204020204" charset="-122"/>
+                <a:ea typeface="微软雅黑" panose="020B0503020204020204" charset="-122"/>
+              </a:rPr>
+              <a:t>域适应的问题：</a:t>
+            </a:r>
+            <a:endParaRPr lang="zh-CN" altLang="en-US" b="1" dirty="0">
+              <a:latin typeface="微软雅黑" panose="020B0503020204020204" charset="-122"/>
+              <a:ea typeface="微软雅黑" panose="020B0503020204020204" charset="-122"/>
+            </a:endParaRPr>
+          </a:p>
+        </p:txBody>
+      </p:sp>
+      <p:sp>
+        <p:nvSpPr>
+          <p:cNvPr id="10" name="文本框 9"/>
+          <p:cNvSpPr txBox="1"/>
+          <p:nvPr/>
+        </p:nvSpPr>
+        <p:spPr>
+          <a:xfrm>
+            <a:off x="867346" y="3682365"/>
+            <a:ext cx="10886504" cy="582930"/>
+          </a:xfrm>
+          <a:prstGeom prst="rect">
+            <a:avLst/>
+          </a:prstGeom>
+        </p:spPr>
+        <p:txBody>
+          <a:bodyPr wrap="square">
+            <a:noAutofit/>
+          </a:bodyPr>
+          <a:p>
+            <a:pPr marL="0" indent="0"/>
+            <a:r>
+              <a:rPr lang="zh-CN" altLang="en-US" sz="1600" b="0" i="0" dirty="0">
+                <a:solidFill>
+                  <a:srgbClr val="4D4D4D"/>
+                </a:solidFill>
+                <a:latin typeface="-apple-system"/>
+                <a:ea typeface="-apple-system"/>
+              </a:rPr>
+              <a:t>在不同的环境下，</a:t>
+            </a:r>
+            <a:r>
+              <a:rPr lang="en-US" altLang="zh-CN" sz="1600" b="0" i="0" dirty="0">
+                <a:solidFill>
+                  <a:srgbClr val="4D4D4D"/>
+                </a:solidFill>
+                <a:latin typeface="-apple-system"/>
+                <a:ea typeface="-apple-system"/>
+              </a:rPr>
+              <a:t>3d detection</a:t>
+            </a:r>
+            <a:r>
+              <a:rPr lang="zh-CN" altLang="en-US" sz="1600" b="0" i="0" dirty="0">
+                <a:solidFill>
+                  <a:srgbClr val="4D4D4D"/>
+                </a:solidFill>
+                <a:latin typeface="-apple-system"/>
+                <a:ea typeface="-apple-system"/>
+              </a:rPr>
+              <a:t>在一个领域内训练出来的模型在另一个领域表现不好。就比如之前老师推荐的论文里面说的那个室内室外点云的信息密度不同问题，室内太过密集导致浪费，室外太过稀疏导致缺失。</a:t>
+            </a:r>
+            <a:endParaRPr lang="zh-CN" altLang="en-US" sz="1600" b="0" i="0" dirty="0">
+              <a:solidFill>
+                <a:srgbClr val="4D4D4D"/>
+              </a:solidFill>
+              <a:latin typeface="-apple-system"/>
+              <a:ea typeface="-apple-system"/>
+            </a:endParaRPr>
+          </a:p>
+          <a:p>
+            <a:pPr marL="0" indent="0"/>
+            <a:endParaRPr lang="zh-CN" altLang="en-US" sz="1600" b="0" i="0">
+              <a:solidFill>
+                <a:srgbClr val="4D4D4D"/>
+              </a:solidFill>
+              <a:latin typeface="-apple-system"/>
+              <a:ea typeface="-apple-system"/>
+            </a:endParaRPr>
+          </a:p>
+          <a:p>
+            <a:pPr marL="0" indent="0"/>
+            <a:r>
+              <a:rPr lang="zh-CN" altLang="en-US" sz="1600" dirty="0">
+                <a:solidFill>
+                  <a:srgbClr val="4D4D4D"/>
+                </a:solidFill>
+                <a:latin typeface="-apple-system" charset="0"/>
+                <a:ea typeface="-apple-system" charset="0"/>
+              </a:rPr>
+              <a:t>我想能不能多参考一些方法在这些不同区域内模型的适应问题做文章。比如说点云-体素结合时出现的室内室外问题等</a:t>
+            </a:r>
+            <a:endParaRPr lang="zh-CN" altLang="en-US" sz="1600" b="0" i="0">
+              <a:solidFill>
+                <a:srgbClr val="4D4D4D"/>
+              </a:solidFill>
+              <a:latin typeface="-apple-system"/>
+              <a:ea typeface="-apple-system"/>
+            </a:endParaRPr>
+          </a:p>
+        </p:txBody>
+      </p:sp>
+      <p:pic>
+        <p:nvPicPr>
+          <p:cNvPr id="11" name="图片 10" descr="upload_post_object_v2_4284610822"/>
+          <p:cNvPicPr>
+            <a:picLocks noChangeAspect="1"/>
+          </p:cNvPicPr>
+          <p:nvPr/>
+        </p:nvPicPr>
+        <p:blipFill>
+          <a:blip r:embed="rId4"/>
+          <a:stretch>
+            <a:fillRect/>
+          </a:stretch>
+        </p:blipFill>
+        <p:spPr>
+          <a:xfrm>
+            <a:off x="6858000" y="854035"/>
+            <a:ext cx="5219700" cy="2136815"/>
+          </a:xfrm>
+          <a:prstGeom prst="rect">
+            <a:avLst/>
+          </a:prstGeom>
+        </p:spPr>
+      </p:pic>
+    </p:spTree>
+  </p:cSld>
+  <p:clrMapOvr>
+    <a:masterClrMapping/>
+  </p:clrMapOvr>
+</p:sld>
+</file>
+
+<file path=ppt/slides/slide7.xml><?xml version="1.0" encoding="utf-8"?>
+<p:sld xmlns:a="http://schemas.openxmlformats.org/drawingml/2006/main" xmlns:r="http://schemas.openxmlformats.org/officeDocument/2006/relationships" xmlns:p="http://schemas.openxmlformats.org/presentationml/2006/main">
+  <p:cSld>
+    <p:spTree>
+      <p:nvGrpSpPr>
+        <p:cNvPr id="1" name=""/>
+        <p:cNvGrpSpPr/>
+        <p:nvPr/>
+      </p:nvGrpSpPr>
+      <p:grpSpPr>
+        <a:xfrm>
+          <a:off x="0" y="0"/>
+          <a:ext cx="0" cy="0"/>
+          <a:chOff x="0" y="0"/>
+          <a:chExt cx="0" cy="0"/>
+        </a:xfrm>
+      </p:grpSpPr>
+      <p:sp>
+        <p:nvSpPr>
+          <p:cNvPr id="13" name="文本框 12"/>
+          <p:cNvSpPr txBox="1"/>
+          <p:nvPr/>
+        </p:nvSpPr>
+        <p:spPr>
+          <a:xfrm>
+            <a:off x="106680" y="601980"/>
+            <a:ext cx="2315210" cy="370840"/>
+          </a:xfrm>
+          <a:prstGeom prst="rect">
+            <a:avLst/>
+          </a:prstGeom>
+          <a:noFill/>
+        </p:spPr>
+        <p:txBody>
+          <a:bodyPr wrap="none" rtlCol="0">
+            <a:noAutofit/>
+          </a:bodyPr>
+          <a:lstStyle/>
+          <a:p>
+            <a:pPr marL="342900" indent="-342900">
+              <a:buFont typeface="Wingdings" panose="05000000000000000000" charset="0"/>
+              <a:buChar char="n"/>
+            </a:pPr>
+            <a:r>
+              <a:rPr lang="zh-CN" altLang="en-US" sz="2000" b="1" dirty="0">
+                <a:latin typeface="微软雅黑" panose="020B0503020204020204" charset="-122"/>
+                <a:ea typeface="微软雅黑" panose="020B0503020204020204" charset="-122"/>
+              </a:rPr>
+              <a:t>有了解但是没什么概念的方向</a:t>
+            </a:r>
+            <a:endParaRPr lang="zh-CN" altLang="en-US" sz="2000" b="1" dirty="0">
+              <a:latin typeface="微软雅黑" panose="020B0503020204020204" charset="-122"/>
+              <a:ea typeface="微软雅黑" panose="020B0503020204020204" charset="-122"/>
+            </a:endParaRPr>
+          </a:p>
+        </p:txBody>
+      </p:sp>
+      <p:sp>
+        <p:nvSpPr>
+          <p:cNvPr id="7" name="文本框 6"/>
+          <p:cNvSpPr txBox="1"/>
+          <p:nvPr/>
+        </p:nvSpPr>
+        <p:spPr>
+          <a:xfrm>
+            <a:off x="724535" y="1323340"/>
+            <a:ext cx="2247900" cy="410845"/>
+          </a:xfrm>
+          <a:prstGeom prst="rect">
+            <a:avLst/>
+          </a:prstGeom>
+          <a:noFill/>
+        </p:spPr>
+        <p:txBody>
+          <a:bodyPr wrap="square">
+            <a:noAutofit/>
+          </a:bodyPr>
+          <a:lstStyle/>
+          <a:p>
+            <a:pPr algn="l" fontAlgn="auto">
+              <a:lnSpc>
+                <a:spcPts val="2200"/>
+              </a:lnSpc>
+              <a:buClrTx/>
+              <a:buSzTx/>
+              <a:buNone/>
+            </a:pPr>
+            <a:endParaRPr lang="zh-CN" altLang="en-US" sz="1600" dirty="0">
+              <a:latin typeface="微软雅黑" panose="020B0503020204020204" charset="-122"/>
+              <a:ea typeface="微软雅黑" panose="020B0503020204020204" charset="-122"/>
+            </a:endParaRPr>
+          </a:p>
+        </p:txBody>
+      </p:sp>
+      <p:sp>
+        <p:nvSpPr>
+          <p:cNvPr id="3" name="矩形 2"/>
+          <p:cNvSpPr/>
+          <p:nvPr>
+            <p:custDataLst>
+              <p:tags r:id="rId1"/>
+            </p:custDataLst>
+          </p:nvPr>
+        </p:nvSpPr>
+        <p:spPr>
+          <a:xfrm>
+            <a:off x="-6350" y="0"/>
+            <a:ext cx="12198350" cy="540000"/>
+          </a:xfrm>
+          <a:prstGeom prst="rect">
+            <a:avLst/>
+          </a:prstGeom>
+          <a:solidFill>
+            <a:srgbClr val="A099CB"/>
+          </a:solidFill>
+          <a:ln>
+            <a:noFill/>
+          </a:ln>
+        </p:spPr>
+        <p:style>
+          <a:lnRef idx="2">
+            <a:schemeClr val="accent1">
+              <a:shade val="50000"/>
+            </a:schemeClr>
+          </a:lnRef>
+          <a:fillRef idx="1">
+            <a:schemeClr val="accent1"/>
+          </a:fillRef>
+          <a:effectRef idx="0">
+            <a:schemeClr val="accent1"/>
+          </a:effectRef>
+          <a:fontRef idx="minor">
+            <a:schemeClr val="lt1"/>
+          </a:fontRef>
+        </p:style>
+        <p:txBody>
+          <a:bodyPr rtlCol="0" anchor="ctr"/>
+          <a:p>
+            <a:pPr marL="0" marR="0" lvl="0" indent="0" algn="ctr" defTabSz="914400" rtl="0" eaLnBrk="1" fontAlgn="auto" latinLnBrk="0" hangingPunct="1">
+              <a:lnSpc>
+                <a:spcPct val="100000"/>
+              </a:lnSpc>
+              <a:spcBef>
+                <a:spcPts val="0"/>
+              </a:spcBef>
+              <a:spcAft>
+                <a:spcPts val="0"/>
+              </a:spcAft>
+              <a:buClrTx/>
+              <a:buSzTx/>
+              <a:buFontTx/>
+              <a:buNone/>
+              <a:defRPr/>
+            </a:pPr>
+            <a:r>
+              <a:rPr lang="en-US" altLang="zh-CN" sz="1800" dirty="0">
+                <a:effectLst/>
+                <a:latin typeface="微软雅黑" panose="020B0503020204020204" charset="-122"/>
+                <a:ea typeface="微软雅黑" panose="020B0503020204020204" charset="-122"/>
+              </a:rPr>
+              <a:t>1.</a:t>
+            </a:r>
+            <a:r>
+              <a:rPr lang="en-US" altLang="zh-CN" dirty="0">
+                <a:effectLst/>
+                <a:latin typeface="微软雅黑" panose="020B0503020204020204" charset="-122"/>
+                <a:ea typeface="微软雅黑" panose="020B0503020204020204" charset="-122"/>
+                <a:sym typeface="+mn-ea"/>
+              </a:rPr>
+              <a:t>了解、学习到的一些3d detection的方向</a:t>
+            </a:r>
+            <a:endParaRPr lang="en-US" altLang="zh-CN" dirty="0">
+              <a:effectLst/>
+              <a:latin typeface="微软雅黑" panose="020B0503020204020204" charset="-122"/>
+              <a:ea typeface="微软雅黑" panose="020B0503020204020204" charset="-122"/>
+            </a:endParaRPr>
+          </a:p>
+        </p:txBody>
+      </p:sp>
+      <p:sp>
+        <p:nvSpPr>
+          <p:cNvPr id="5" name="文本框 4"/>
+          <p:cNvSpPr txBox="1"/>
+          <p:nvPr>
+            <p:custDataLst>
+              <p:tags r:id="rId2"/>
+            </p:custDataLst>
+          </p:nvPr>
+        </p:nvSpPr>
+        <p:spPr>
+          <a:xfrm>
+            <a:off x="455295" y="972185"/>
+            <a:ext cx="6574155" cy="506730"/>
+          </a:xfrm>
+          <a:prstGeom prst="rect">
+            <a:avLst/>
+          </a:prstGeom>
+          <a:noFill/>
+        </p:spPr>
+        <p:txBody>
+          <a:bodyPr wrap="square" rtlCol="0">
+            <a:spAutoFit/>
+          </a:bodyPr>
+          <a:p>
+            <a:pPr marL="285750" indent="-285750">
+              <a:lnSpc>
+                <a:spcPct val="150000"/>
+              </a:lnSpc>
+              <a:buFont typeface="Wingdings" panose="05000000000000000000" charset="0"/>
+              <a:buChar char="p"/>
+            </a:pPr>
+            <a:r>
+              <a:rPr lang="zh-CN" altLang="en-US" b="1" dirty="0">
+                <a:latin typeface="微软雅黑" panose="020B0503020204020204" charset="-122"/>
+                <a:ea typeface="微软雅黑" panose="020B0503020204020204" charset="-122"/>
+              </a:rPr>
               <a:t>多模态融合：</a:t>
             </a:r>
             <a:endParaRPr lang="zh-CN" altLang="en-US" b="1" dirty="0">
@@ -6808,7 +10549,7 @@
         </p:nvSpPr>
         <p:spPr>
           <a:xfrm>
-            <a:off x="464820" y="3999865"/>
+            <a:off x="455295" y="3999929"/>
             <a:ext cx="6574155" cy="506730"/>
           </a:xfrm>
           <a:prstGeom prst="rect">
@@ -6836,66 +10577,6 @@
               <a:t>时序信息的检测：</a:t>
             </a:r>
             <a:endParaRPr lang="zh-CN" altLang="en-US" b="1" dirty="0">
-              <a:latin typeface="微软雅黑" panose="020B0503020204020204" charset="-122"/>
-              <a:ea typeface="微软雅黑" panose="020B0503020204020204" charset="-122"/>
-            </a:endParaRPr>
-          </a:p>
-        </p:txBody>
-      </p:sp>
-      <p:sp>
-        <p:nvSpPr>
-          <p:cNvPr id="4" name="文本框 3"/>
-          <p:cNvSpPr txBox="1"/>
-          <p:nvPr/>
-        </p:nvSpPr>
-        <p:spPr>
-          <a:xfrm>
-            <a:off x="323215" y="4506595"/>
-            <a:ext cx="10351770" cy="337185"/>
-          </a:xfrm>
-          <a:prstGeom prst="rect">
-            <a:avLst/>
-          </a:prstGeom>
-        </p:spPr>
-        <p:txBody>
-          <a:bodyPr wrap="square">
-            <a:spAutoFit/>
-          </a:bodyPr>
-          <a:p>
-            <a:pPr marL="0" indent="457200" algn="l">
-              <a:buClrTx/>
-              <a:buSzTx/>
-              <a:buNone/>
-            </a:pPr>
-            <a:r>
-              <a:rPr lang="en-US" sz="1600" b="0" i="0" dirty="0">
-                <a:latin typeface="微软雅黑" panose="020B0503020204020204" charset="-122"/>
-                <a:ea typeface="微软雅黑" panose="020B0503020204020204" charset="-122"/>
-              </a:rPr>
-              <a:t>激光雷达序列检测，流输入检测，从视频中检测</a:t>
-            </a:r>
-            <a:r>
-              <a:rPr lang="zh-CN" altLang="en-US" sz="1600" b="0" i="0" dirty="0">
-                <a:latin typeface="微软雅黑" panose="020B0503020204020204" charset="-122"/>
-                <a:ea typeface="微软雅黑" panose="020B0503020204020204" charset="-122"/>
-              </a:rPr>
-              <a:t>。但是一些时序的模型比如</a:t>
-            </a:r>
-            <a:r>
-              <a:rPr lang="en-US" altLang="zh-CN" sz="1600" b="0" i="0" dirty="0">
-                <a:latin typeface="微软雅黑" panose="020B0503020204020204" charset="-122"/>
-                <a:ea typeface="微软雅黑" panose="020B0503020204020204" charset="-122"/>
-              </a:rPr>
-              <a:t>LSTM</a:t>
-            </a:r>
-            <a:r>
-              <a:rPr lang="zh-CN" altLang="en-US" sz="1600" b="0" i="0" dirty="0">
-                <a:latin typeface="微软雅黑" panose="020B0503020204020204" charset="-122"/>
-                <a:ea typeface="微软雅黑" panose="020B0503020204020204" charset="-122"/>
-              </a:rPr>
-              <a:t>没有了解</a:t>
-            </a:r>
-            <a:endParaRPr lang="zh-CN" altLang="en-US" sz="1600" b="0" i="0" dirty="0">
               <a:latin typeface="微软雅黑" panose="020B0503020204020204" charset="-122"/>
               <a:ea typeface="微软雅黑" panose="020B0503020204020204" charset="-122"/>
             </a:endParaRPr>
@@ -6926,31 +10607,84 @@
       </p:pic>
       <p:sp>
         <p:nvSpPr>
-          <p:cNvPr id="8" name="文本框 7"/>
+          <p:cNvPr id="4" name="文本框 3"/>
           <p:cNvSpPr txBox="1"/>
           <p:nvPr/>
         </p:nvSpPr>
         <p:spPr>
           <a:xfrm>
-            <a:off x="867410" y="1478598"/>
-            <a:ext cx="5080000" cy="337185"/>
+            <a:off x="323215" y="4506595"/>
+            <a:ext cx="10351770" cy="583565"/>
           </a:xfrm>
           <a:prstGeom prst="rect">
             <a:avLst/>
           </a:prstGeom>
         </p:spPr>
         <p:txBody>
-          <a:bodyPr>
+          <a:bodyPr wrap="square">
             <a:spAutoFit/>
           </a:bodyPr>
           <a:p>
+            <a:pPr marL="0" indent="457200" algn="l">
+              <a:buClrTx/>
+              <a:buSzTx/>
+              <a:buNone/>
+            </a:pPr>
+            <a:r>
+              <a:rPr lang="en-US" sz="1600" b="0" i="0" dirty="0">
+                <a:latin typeface="微软雅黑" panose="020B0503020204020204" charset="-122"/>
+                <a:ea typeface="微软雅黑" panose="020B0503020204020204" charset="-122"/>
+              </a:rPr>
+              <a:t>激光雷达序列检测，流输入检测，从视频中检测</a:t>
+            </a:r>
+            <a:r>
+              <a:rPr lang="zh-CN" altLang="en-US" sz="1600" b="0" i="0" dirty="0">
+                <a:latin typeface="微软雅黑" panose="020B0503020204020204" charset="-122"/>
+                <a:ea typeface="微软雅黑" panose="020B0503020204020204" charset="-122"/>
+              </a:rPr>
+              <a:t>。了解了光流处理中的光流评价问题，端到端的光流检测的小空缺，在想能不能实现一些端到端的光流测评模型</a:t>
+            </a:r>
+            <a:endParaRPr lang="zh-CN" altLang="en-US" sz="1600" b="0" i="0" dirty="0">
+              <a:latin typeface="微软雅黑" panose="020B0503020204020204" charset="-122"/>
+              <a:ea typeface="微软雅黑" panose="020B0503020204020204" charset="-122"/>
+            </a:endParaRPr>
+          </a:p>
+        </p:txBody>
+      </p:sp>
+      <p:sp>
+        <p:nvSpPr>
+          <p:cNvPr id="8" name="文本框 7"/>
+          <p:cNvSpPr txBox="1"/>
+          <p:nvPr/>
+        </p:nvSpPr>
+        <p:spPr>
+          <a:xfrm>
+            <a:off x="867410" y="1478598"/>
+            <a:ext cx="6827350" cy="582930"/>
+          </a:xfrm>
+          <a:prstGeom prst="rect">
+            <a:avLst/>
+          </a:prstGeom>
+        </p:spPr>
+        <p:txBody>
+          <a:bodyPr wrap="square">
+            <a:noAutofit/>
+          </a:bodyPr>
+          <a:p>
             <a:pPr marL="0" indent="0"/>
             <a:r>
               <a:rPr lang="en-US" sz="1600" b="0" i="0" dirty="0">
                 <a:latin typeface="微软雅黑" panose="020B0503020204020204" charset="-122"/>
                 <a:ea typeface="微软雅黑" panose="020B0503020204020204" charset="-122"/>
               </a:rPr>
-              <a:t>LiDAR-相机、雷达、地图融合等方法。</a:t>
+              <a:t>LiDAR-相机、雷达、地图融合等方法</a:t>
+            </a:r>
+            <a:r>
+              <a:rPr lang="zh-CN" altLang="en-US" sz="1600" b="0" i="0" dirty="0">
+                <a:latin typeface="微软雅黑" panose="020B0503020204020204" charset="-122"/>
+                <a:ea typeface="微软雅黑" panose="020B0503020204020204" charset="-122"/>
+              </a:rPr>
+              <a:t>。多视图多视点融合。</a:t>
             </a:r>
             <a:endParaRPr lang="zh-CN" altLang="en-US" sz="1600" b="0" i="0">
               <a:solidFill>
@@ -6970,7 +10704,7 @@
 </p:sld>
 </file>
 
-<file path=ppt/slides/slide7.xml><?xml version="1.0" encoding="utf-8"?>
+<file path=ppt/slides/slide8.xml><?xml version="1.0" encoding="utf-8"?>
 <p:sld xmlns:a="http://schemas.openxmlformats.org/drawingml/2006/main" xmlns:r="http://schemas.openxmlformats.org/officeDocument/2006/relationships" xmlns:p="http://schemas.openxmlformats.org/presentationml/2006/main">
   <p:cSld>
     <p:spTree>
@@ -7199,7 +10933,7 @@
 </p:sld>
 </file>
 
-<file path=ppt/slides/slide8.xml><?xml version="1.0" encoding="utf-8"?>
+<file path=ppt/slides/slide9.xml><?xml version="1.0" encoding="utf-8"?>
 <p:sld xmlns:a="http://schemas.openxmlformats.org/drawingml/2006/main" xmlns:r="http://schemas.openxmlformats.org/officeDocument/2006/relationships" xmlns:p="http://schemas.openxmlformats.org/presentationml/2006/main">
   <p:cSld>
     <p:spTree>
@@ -7225,7 +10959,7 @@
         <p:spPr>
           <a:xfrm>
             <a:off x="106466" y="601786"/>
-            <a:ext cx="1033780" cy="398780"/>
+            <a:ext cx="1099820" cy="398780"/>
           </a:xfrm>
           <a:prstGeom prst="rect">
             <a:avLst/>
@@ -7244,12 +10978,21 @@
             </a:pPr>
             <a:r>
               <a:rPr lang="zh-CN" altLang="en-US" sz="2000" b="1" dirty="0">
-                <a:latin typeface="微软雅黑" panose="020B0503020204020204" charset="-122"/>
-                <a:ea typeface="微软雅黑" panose="020B0503020204020204" charset="-122"/>
-              </a:rPr>
-              <a:t>概述</a:t>
-            </a:r>
-            <a:endParaRPr lang="zh-CN" altLang="en-US" sz="2000" b="1" dirty="0"/>
+                <a:solidFill>
+                  <a:schemeClr val="tx1"/>
+                </a:solidFill>
+                <a:latin typeface="微软雅黑" panose="020B0503020204020204" charset="-122"/>
+                <a:ea typeface="微软雅黑" panose="020B0503020204020204" charset="-122"/>
+              </a:rPr>
+              <a:t>idea</a:t>
+            </a:r>
+            <a:endParaRPr lang="zh-CN" altLang="en-US" sz="2000" b="1" dirty="0">
+              <a:solidFill>
+                <a:schemeClr val="tx1"/>
+              </a:solidFill>
+              <a:latin typeface="微软雅黑" panose="020B0503020204020204" charset="-122"/>
+              <a:ea typeface="微软雅黑" panose="020B0503020204020204" charset="-122"/>
+            </a:endParaRPr>
           </a:p>
         </p:txBody>
       </p:sp>
@@ -7376,49 +11119,24 @@
           </a:p>
         </p:txBody>
       </p:sp>
-    </p:spTree>
-  </p:cSld>
-  <p:clrMapOvr>
-    <a:masterClrMapping/>
-  </p:clrMapOvr>
-</p:sld>
-</file>
-
-<file path=ppt/slides/slide9.xml><?xml version="1.0" encoding="utf-8"?>
-<p:sld xmlns:a="http://schemas.openxmlformats.org/drawingml/2006/main" xmlns:r="http://schemas.openxmlformats.org/officeDocument/2006/relationships" xmlns:p="http://schemas.openxmlformats.org/presentationml/2006/main">
-  <p:cSld>
-    <p:spTree>
-      <p:nvGrpSpPr>
-        <p:cNvPr id="1" name=""/>
-        <p:cNvGrpSpPr/>
-        <p:nvPr/>
-      </p:nvGrpSpPr>
-      <p:grpSpPr>
-        <a:xfrm>
-          <a:off x="0" y="0"/>
-          <a:ext cx="0" cy="0"/>
-          <a:chOff x="0" y="0"/>
-          <a:chExt cx="0" cy="0"/>
-        </a:xfrm>
-      </p:grpSpPr>
       <p:pic>
         <p:nvPicPr>
-          <p:cNvPr id="4" name="图片 3" descr="1"/>
+          <p:cNvPr id="2" name="图片 1" descr="upload_post_object_v2_1955608540"/>
           <p:cNvPicPr>
             <a:picLocks noChangeAspect="1"/>
           </p:cNvPicPr>
           <p:nvPr/>
         </p:nvPicPr>
         <p:blipFill>
-          <a:blip r:embed="rId1"/>
+          <a:blip r:embed="rId2"/>
           <a:stretch>
             <a:fillRect/>
           </a:stretch>
         </p:blipFill>
         <p:spPr>
           <a:xfrm>
-            <a:off x="4745355" y="-588645"/>
-            <a:ext cx="12060555" cy="8474075"/>
+            <a:off x="106480" y="1079590"/>
+            <a:ext cx="5554441" cy="1770261"/>
           </a:xfrm>
           <a:prstGeom prst="rect">
             <a:avLst/>
@@ -7427,14 +11145,14 @@
       </p:pic>
       <p:sp>
         <p:nvSpPr>
-          <p:cNvPr id="5" name="文本框 4"/>
+          <p:cNvPr id="4" name="文本框 3"/>
           <p:cNvSpPr txBox="1"/>
-          <p:nvPr/>
+          <p:nvPr userDrawn="1"/>
         </p:nvSpPr>
         <p:spPr>
           <a:xfrm>
-            <a:off x="1038225" y="1470025"/>
-            <a:ext cx="2301875" cy="1861185"/>
+            <a:off x="532625" y="3394137"/>
+            <a:ext cx="5389611" cy="1950295"/>
           </a:xfrm>
           <a:prstGeom prst="rect">
             <a:avLst/>
@@ -7442,71 +11160,211 @@
           <a:noFill/>
         </p:spPr>
         <p:txBody>
-          <a:bodyPr wrap="square" rtlCol="0">
-            <a:spAutoFit/>
+          <a:bodyPr wrap="none" rtlCol="0" anchor="t">
+            <a:noAutofit/>
           </a:bodyPr>
-          <a:lstStyle/>
-          <a:p>
-            <a:pPr marL="0" marR="0" lvl="0" indent="0" algn="l" defTabSz="914400" rtl="0" eaLnBrk="1" fontAlgn="auto" latinLnBrk="0" hangingPunct="1">
-              <a:lnSpc>
-                <a:spcPct val="100000"/>
-              </a:lnSpc>
+          <a:p>
+            <a:pPr marL="0" indent="0" algn="l" defTabSz="0" rtl="0" eaLnBrk="1" latinLnBrk="0" hangingPunct="1">
               <a:spcBef>
-                <a:spcPts val="0"/>
+                <a:spcPct val="0"/>
               </a:spcBef>
               <a:spcAft>
-                <a:spcPts val="0"/>
+                <a:spcPct val="0"/>
               </a:spcAft>
-              <a:buClrTx/>
-              <a:buSzTx/>
-              <a:buFontTx/>
               <a:buNone/>
-              <a:defRPr/>
             </a:pPr>
             <a:r>
-              <a:rPr kumimoji="0" lang="en-US" altLang="zh-CN" sz="11500" b="0" i="0" u="none" strike="noStrike" kern="1200" cap="none" spc="0" normalizeH="0" baseline="0" noProof="0" dirty="0">
-                <a:ln>
-                  <a:solidFill>
-                    <a:srgbClr val="383987"/>
-                  </a:solidFill>
-                </a:ln>
-                <a:noFill/>
-                <a:effectLst/>
-                <a:uLnTx/>
-                <a:uFillTx/>
-                <a:latin typeface="Agency FB" panose="020B0503020202020204" pitchFamily="34" charset="0"/>
-                <a:ea typeface="宋体" panose="02010600030101010101" pitchFamily="2" charset="-122"/>
-                <a:cs typeface="+mn-cs"/>
-              </a:rPr>
-              <a:t>03</a:t>
-            </a:r>
-            <a:endParaRPr kumimoji="0" lang="en-US" altLang="zh-CN" sz="11500" b="0" i="0" u="none" strike="noStrike" kern="1200" cap="none" spc="0" normalizeH="0" baseline="0" noProof="0" dirty="0">
-              <a:ln>
-                <a:solidFill>
-                  <a:srgbClr val="383987"/>
-                </a:solidFill>
-              </a:ln>
-              <a:noFill/>
-              <a:effectLst/>
-              <a:uLnTx/>
-              <a:uFillTx/>
-              <a:latin typeface="Agency FB" panose="020B0503020202020204" pitchFamily="34" charset="0"/>
-              <a:ea typeface="宋体" panose="02010600030101010101" pitchFamily="2" charset="-122"/>
-              <a:cs typeface="+mn-cs"/>
+              <a:rPr lang="en-US" sz="1600" dirty="0">
+                <a:solidFill>
+                  <a:schemeClr val="tx1"/>
+                </a:solidFill>
+                <a:latin typeface="微软雅黑" panose="020B0503020204020204" charset="-122"/>
+                <a:ea typeface="微软雅黑" panose="020B0503020204020204" charset="-122"/>
+              </a:rPr>
+              <a:t>1. 引入了可学习的查询点和非可学习的查询点组合，用</a:t>
+            </a:r>
+            <a:endParaRPr lang="en-US" sz="1600" dirty="0">
+              <a:solidFill>
+                <a:schemeClr val="tx1"/>
+              </a:solidFill>
+              <a:latin typeface="微软雅黑" panose="020B0503020204020204" charset="-122"/>
+              <a:ea typeface="微软雅黑" panose="020B0503020204020204" charset="-122"/>
             </a:endParaRPr>
           </a:p>
-        </p:txBody>
-      </p:sp>
-      <p:sp>
-        <p:nvSpPr>
-          <p:cNvPr id="6" name="文本框 5"/>
+          <a:p>
+            <a:pPr marL="0" indent="0" algn="l" defTabSz="0" rtl="0" eaLnBrk="1" latinLnBrk="0" hangingPunct="1">
+              <a:spcBef>
+                <a:spcPct val="0"/>
+              </a:spcBef>
+              <a:spcAft>
+                <a:spcPct val="0"/>
+              </a:spcAft>
+              <a:buNone/>
+            </a:pPr>
+            <a:r>
+              <a:rPr lang="en-US" sz="1600" dirty="0">
+                <a:solidFill>
+                  <a:schemeClr val="tx1"/>
+                </a:solidFill>
+                <a:latin typeface="微软雅黑" panose="020B0503020204020204" charset="-122"/>
+                <a:ea typeface="微软雅黑" panose="020B0503020204020204" charset="-122"/>
+              </a:rPr>
+              <a:t>于室内室外检测（可学习-&gt;稀疏-&gt;室外；非可学习-&gt;全</a:t>
+            </a:r>
+            <a:endParaRPr lang="en-US" sz="1600" dirty="0">
+              <a:solidFill>
+                <a:schemeClr val="tx1"/>
+              </a:solidFill>
+              <a:latin typeface="微软雅黑" panose="020B0503020204020204" charset="-122"/>
+              <a:ea typeface="微软雅黑" panose="020B0503020204020204" charset="-122"/>
+            </a:endParaRPr>
+          </a:p>
+          <a:p>
+            <a:pPr marL="0" indent="0" algn="l" defTabSz="0" rtl="0" eaLnBrk="1" latinLnBrk="0" hangingPunct="1">
+              <a:spcBef>
+                <a:spcPct val="0"/>
+              </a:spcBef>
+              <a:spcAft>
+                <a:spcPct val="0"/>
+              </a:spcAft>
+              <a:buNone/>
+            </a:pPr>
+            <a:r>
+              <a:rPr lang="en-US" sz="1600" dirty="0">
+                <a:solidFill>
+                  <a:schemeClr val="tx1"/>
+                </a:solidFill>
+                <a:latin typeface="微软雅黑" panose="020B0503020204020204" charset="-122"/>
+                <a:ea typeface="微软雅黑" panose="020B0503020204020204" charset="-122"/>
+              </a:rPr>
+              <a:t>局信息-&gt;室内）。</a:t>
+            </a:r>
+            <a:endParaRPr lang="en-US" sz="1600" dirty="0">
+              <a:solidFill>
+                <a:schemeClr val="tx1"/>
+              </a:solidFill>
+              <a:latin typeface="微软雅黑" panose="020B0503020204020204" charset="-122"/>
+              <a:ea typeface="微软雅黑" panose="020B0503020204020204" charset="-122"/>
+            </a:endParaRPr>
+          </a:p>
+          <a:p>
+            <a:pPr marL="0" indent="0" algn="l" defTabSz="0" rtl="0" eaLnBrk="1" latinLnBrk="0" hangingPunct="1">
+              <a:spcBef>
+                <a:spcPct val="0"/>
+              </a:spcBef>
+              <a:spcAft>
+                <a:spcPct val="0"/>
+              </a:spcAft>
+              <a:buNone/>
+            </a:pPr>
+            <a:endParaRPr lang="en-US" sz="1600" dirty="0">
+              <a:solidFill>
+                <a:schemeClr val="tx1"/>
+              </a:solidFill>
+              <a:latin typeface="微软雅黑" panose="020B0503020204020204" charset="-122"/>
+              <a:ea typeface="微软雅黑" panose="020B0503020204020204" charset="-122"/>
+            </a:endParaRPr>
+          </a:p>
+          <a:p>
+            <a:pPr marL="0" indent="0" algn="l" defTabSz="0" rtl="0" eaLnBrk="1" latinLnBrk="0" hangingPunct="1">
+              <a:spcBef>
+                <a:spcPct val="0"/>
+              </a:spcBef>
+              <a:spcAft>
+                <a:spcPct val="0"/>
+              </a:spcAft>
+              <a:buNone/>
+            </a:pPr>
+            <a:r>
+              <a:rPr lang="en-US" sz="1600" dirty="0">
+                <a:solidFill>
+                  <a:schemeClr val="tx1"/>
+                </a:solidFill>
+                <a:latin typeface="微软雅黑" panose="020B0503020204020204" charset="-122"/>
+                <a:ea typeface="微软雅黑" panose="020B0503020204020204" charset="-122"/>
+              </a:rPr>
+              <a:t>2. 解耦的3D IOU，针对3D边界框，提出了一种解耦的IO</a:t>
+            </a:r>
+            <a:endParaRPr lang="en-US" sz="1600" dirty="0">
+              <a:solidFill>
+                <a:schemeClr val="tx1"/>
+              </a:solidFill>
+              <a:latin typeface="微软雅黑" panose="020B0503020204020204" charset="-122"/>
+              <a:ea typeface="微软雅黑" panose="020B0503020204020204" charset="-122"/>
+            </a:endParaRPr>
+          </a:p>
+          <a:p>
+            <a:pPr marL="0" indent="0" algn="l" defTabSz="0" rtl="0" eaLnBrk="1" latinLnBrk="0" hangingPunct="1">
+              <a:spcBef>
+                <a:spcPct val="0"/>
+              </a:spcBef>
+              <a:spcAft>
+                <a:spcPct val="0"/>
+              </a:spcAft>
+              <a:buNone/>
+            </a:pPr>
+            <a:r>
+              <a:rPr lang="en-US" sz="1600" dirty="0">
+                <a:solidFill>
+                  <a:schemeClr val="tx1"/>
+                </a:solidFill>
+                <a:latin typeface="微软雅黑" panose="020B0503020204020204" charset="-122"/>
+                <a:ea typeface="微软雅黑" panose="020B0503020204020204" charset="-122"/>
+              </a:rPr>
+              <a:t>U计算方法，将3D空间的x、y和z轴分开计算，避免了传</a:t>
+            </a:r>
+            <a:endParaRPr lang="en-US" sz="1600" dirty="0">
+              <a:solidFill>
+                <a:schemeClr val="tx1"/>
+              </a:solidFill>
+              <a:latin typeface="微软雅黑" panose="020B0503020204020204" charset="-122"/>
+              <a:ea typeface="微软雅黑" panose="020B0503020204020204" charset="-122"/>
+            </a:endParaRPr>
+          </a:p>
+          <a:p>
+            <a:pPr marL="0" indent="0" algn="l" defTabSz="0" rtl="0" eaLnBrk="1" latinLnBrk="0" hangingPunct="1">
+              <a:spcBef>
+                <a:spcPct val="0"/>
+              </a:spcBef>
+              <a:spcAft>
+                <a:spcPct val="0"/>
+              </a:spcAft>
+              <a:buNone/>
+            </a:pPr>
+            <a:r>
+              <a:rPr lang="en-US" sz="1600" dirty="0">
+                <a:solidFill>
+                  <a:schemeClr val="tx1"/>
+                </a:solidFill>
+                <a:latin typeface="微软雅黑" panose="020B0503020204020204" charset="-122"/>
+                <a:ea typeface="微软雅黑" panose="020B0503020204020204" charset="-122"/>
+              </a:rPr>
+              <a:t>统3D IOU在训练过程中的耦合效应，提高了定位精度。</a:t>
+            </a:r>
+            <a:endParaRPr lang="en-US" sz="1600" dirty="0">
+              <a:solidFill>
+                <a:schemeClr val="tx1"/>
+              </a:solidFill>
+              <a:latin typeface="微软雅黑" panose="020B0503020204020204" charset="-122"/>
+              <a:ea typeface="微软雅黑" panose="020B0503020204020204" charset="-122"/>
+            </a:endParaRPr>
+          </a:p>
+        </p:txBody>
+      </p:sp>
+      <p:sp>
+        <p:nvSpPr>
+          <p:cNvPr id="9" name="文本框 8"/>
           <p:cNvSpPr txBox="1"/>
-          <p:nvPr/>
+          <p:nvPr>
+            <p:custDataLst>
+              <p:tags r:id="rId3"/>
+            </p:custDataLst>
+          </p:nvPr>
         </p:nvSpPr>
         <p:spPr>
           <a:xfrm>
-            <a:off x="1265555" y="3049270"/>
-            <a:ext cx="11768455" cy="777240"/>
+            <a:off x="429387" y="2849880"/>
+            <a:ext cx="6574155" cy="506730"/>
           </a:xfrm>
           <a:prstGeom prst="rect">
             <a:avLst/>
@@ -7515,55 +11373,36 @@
         </p:spPr>
         <p:txBody>
           <a:bodyPr wrap="square" rtlCol="0">
-            <a:noAutofit/>
+            <a:spAutoFit/>
           </a:bodyPr>
-          <a:lstStyle/>
-          <a:p>
-            <a:pPr marL="0" marR="0" lvl="0" indent="0" algn="ctr" defTabSz="914400" rtl="0" eaLnBrk="1" fontAlgn="auto" latinLnBrk="0" hangingPunct="1">
+          <a:p>
+            <a:pPr marL="285750" indent="-285750">
               <a:lnSpc>
-                <a:spcPct val="100000"/>
+                <a:spcPct val="150000"/>
               </a:lnSpc>
-              <a:spcBef>
-                <a:spcPts val="0"/>
-              </a:spcBef>
-              <a:spcAft>
-                <a:spcPts val="0"/>
-              </a:spcAft>
-              <a:buClrTx/>
-              <a:buSzTx/>
-              <a:buFontTx/>
-              <a:buNone/>
-              <a:defRPr/>
+              <a:buFont typeface="Wingdings" panose="05000000000000000000" charset="0"/>
+              <a:buChar char="p"/>
             </a:pPr>
             <a:r>
-              <a:rPr lang="zh-CN" sz="3600" dirty="0">
-                <a:solidFill>
-                  <a:srgbClr val="383987"/>
-                </a:solidFill>
-                <a:latin typeface="微软雅黑" panose="020B0503020204020204" charset="-122"/>
-                <a:ea typeface="微软雅黑" panose="020B0503020204020204" charset="-122"/>
-                <a:sym typeface="+mn-ea"/>
-              </a:rPr>
-              <a:t>计划</a:t>
-            </a:r>
-            <a:r>
-              <a:rPr lang="en-US" altLang="zh-CN" sz="3600" dirty="0">
-                <a:solidFill>
-                  <a:srgbClr val="383987"/>
-                </a:solidFill>
-                <a:latin typeface="微软雅黑" panose="020B0503020204020204" charset="-122"/>
-                <a:ea typeface="微软雅黑" panose="020B0503020204020204" charset="-122"/>
-                <a:sym typeface="+mn-ea"/>
-              </a:rPr>
-              <a:t> </a:t>
-            </a:r>
-            <a:endParaRPr lang="en-US" altLang="zh-CN" sz="3600" dirty="0">
-              <a:solidFill>
-                <a:srgbClr val="383987"/>
-              </a:solidFill>
+              <a:rPr lang="zh-CN" altLang="en-US" b="1" dirty="0">
+                <a:solidFill>
+                  <a:schemeClr val="tx1"/>
+                </a:solidFill>
+                <a:latin typeface="微软雅黑" panose="020B0503020204020204" charset="-122"/>
+                <a:ea typeface="微软雅黑" panose="020B0503020204020204" charset="-122"/>
+              </a:rPr>
+              <a:t>原文idea</a:t>
+            </a:r>
+            <a:r>
+              <a:rPr lang="zh-CN" altLang="en-US" b="1" dirty="0">
+                <a:latin typeface="微软雅黑" panose="020B0503020204020204" charset="-122"/>
+                <a:ea typeface="微软雅黑" panose="020B0503020204020204" charset="-122"/>
+              </a:rPr>
+              <a:t>：</a:t>
+            </a:r>
+            <a:endParaRPr lang="zh-CN" altLang="en-US" b="1" dirty="0">
               <a:latin typeface="微软雅黑" panose="020B0503020204020204" charset="-122"/>
               <a:ea typeface="微软雅黑" panose="020B0503020204020204" charset="-122"/>
-              <a:sym typeface="+mn-ea"/>
             </a:endParaRPr>
           </a:p>
         </p:txBody>
@@ -7655,6 +11494,54 @@
 </file>
 
 <file path=ppt/tags/tag21.xml><?xml version="1.0" encoding="utf-8"?>
+<p:tagLst xmlns:p="http://schemas.openxmlformats.org/presentationml/2006/main">
+  <p:tag name="KSO_WM_BEAUTIFY_FLAG" val=""/>
+</p:tagLst>
+</file>
+
+<file path=ppt/tags/tag22.xml><?xml version="1.0" encoding="utf-8"?>
+<p:tagLst xmlns:p="http://schemas.openxmlformats.org/presentationml/2006/main">
+  <p:tag name="KSO_WM_BEAUTIFY_FLAG" val=""/>
+</p:tagLst>
+</file>
+
+<file path=ppt/tags/tag23.xml><?xml version="1.0" encoding="utf-8"?>
+<p:tagLst xmlns:p="http://schemas.openxmlformats.org/presentationml/2006/main">
+  <p:tag name="KSO_WM_BEAUTIFY_FLAG" val=""/>
+</p:tagLst>
+</file>
+
+<file path=ppt/tags/tag24.xml><?xml version="1.0" encoding="utf-8"?>
+<p:tagLst xmlns:p="http://schemas.openxmlformats.org/presentationml/2006/main">
+  <p:tag name="KSO_WM_BEAUTIFY_FLAG" val=""/>
+</p:tagLst>
+</file>
+
+<file path=ppt/tags/tag25.xml><?xml version="1.0" encoding="utf-8"?>
+<p:tagLst xmlns:p="http://schemas.openxmlformats.org/presentationml/2006/main">
+  <p:tag name="KSO_WM_BEAUTIFY_FLAG" val=""/>
+</p:tagLst>
+</file>
+
+<file path=ppt/tags/tag26.xml><?xml version="1.0" encoding="utf-8"?>
+<p:tagLst xmlns:p="http://schemas.openxmlformats.org/presentationml/2006/main">
+  <p:tag name="KSO_WM_BEAUTIFY_FLAG" val=""/>
+</p:tagLst>
+</file>
+
+<file path=ppt/tags/tag27.xml><?xml version="1.0" encoding="utf-8"?>
+<p:tagLst xmlns:p="http://schemas.openxmlformats.org/presentationml/2006/main">
+  <p:tag name="KSO_WM_BEAUTIFY_FLAG" val=""/>
+</p:tagLst>
+</file>
+
+<file path=ppt/tags/tag28.xml><?xml version="1.0" encoding="utf-8"?>
+<p:tagLst xmlns:p="http://schemas.openxmlformats.org/presentationml/2006/main">
+  <p:tag name="KSO_WM_BEAUTIFY_FLAG" val=""/>
+</p:tagLst>
+</file>
+
+<file path=ppt/tags/tag29.xml><?xml version="1.0" encoding="utf-8"?>
 <p:tagLst xmlns:p="http://schemas.openxmlformats.org/presentationml/2006/main">
   <p:tag name="KSO_WPP_MARK_KEY" val="c7925d13-95db-4618-ac98-c22196edd7f9"/>
   <p:tag name="COMMONDATA" val="eyJoZGlkIjoiZTg3MzIzMDhlODgyZTlkYzQ0OWY3ZDI2YzlhMjBjMGIifQ=="/>
@@ -8224,4 +12111,47 @@
     </a:ext>
   </a:extLst>
 </a:theme>
+</file>
+
+<file path=ppt/theme/themeOverride1.xml><?xml version="1.0" encoding="utf-8"?>
+<a:themeOverride xmlns:a="http://schemas.openxmlformats.org/drawingml/2006/main">
+  <a:clrScheme name="Office">
+    <a:dk1>
+      <a:sysClr val="windowText" lastClr="000000"/>
+    </a:dk1>
+    <a:lt1>
+      <a:sysClr val="window" lastClr="FFFFFF"/>
+    </a:lt1>
+    <a:dk2>
+      <a:srgbClr val="44546A"/>
+    </a:dk2>
+    <a:lt2>
+      <a:srgbClr val="E7E6E6"/>
+    </a:lt2>
+    <a:accent1>
+      <a:srgbClr val="4472C4"/>
+    </a:accent1>
+    <a:accent2>
+      <a:srgbClr val="ED7D31"/>
+    </a:accent2>
+    <a:accent3>
+      <a:srgbClr val="A5A5A5"/>
+    </a:accent3>
+    <a:accent4>
+      <a:srgbClr val="FFC000"/>
+    </a:accent4>
+    <a:accent5>
+      <a:srgbClr val="5B9BD5"/>
+    </a:accent5>
+    <a:accent6>
+      <a:srgbClr val="70AD47"/>
+    </a:accent6>
+    <a:hlink>
+      <a:srgbClr val="0563C1"/>
+    </a:hlink>
+    <a:folHlink>
+      <a:srgbClr val="954F72"/>
+    </a:folHlink>
+  </a:clrScheme>
+</a:themeOverride>
 </file>